--- a/pdf/FactureJS - Pésentation.pptx
+++ b/pdf/FactureJS - Pésentation.pptx
@@ -6,16 +6,22 @@
   </p:sldMasterIdLst>
   <p:sldIdLst>
     <p:sldId id="256" r:id="rId2"/>
-    <p:sldId id="257" r:id="rId3"/>
-    <p:sldId id="258" r:id="rId4"/>
-    <p:sldId id="259" r:id="rId5"/>
-    <p:sldId id="260" r:id="rId6"/>
-    <p:sldId id="261" r:id="rId7"/>
-    <p:sldId id="268" r:id="rId8"/>
-    <p:sldId id="264" r:id="rId9"/>
-    <p:sldId id="262" r:id="rId10"/>
-    <p:sldId id="263" r:id="rId11"/>
-    <p:sldId id="265" r:id="rId12"/>
+    <p:sldId id="270" r:id="rId3"/>
+    <p:sldId id="272" r:id="rId4"/>
+    <p:sldId id="273" r:id="rId5"/>
+    <p:sldId id="271" r:id="rId6"/>
+    <p:sldId id="274" r:id="rId7"/>
+    <p:sldId id="257" r:id="rId8"/>
+    <p:sldId id="258" r:id="rId9"/>
+    <p:sldId id="259" r:id="rId10"/>
+    <p:sldId id="260" r:id="rId11"/>
+    <p:sldId id="261" r:id="rId12"/>
+    <p:sldId id="268" r:id="rId13"/>
+    <p:sldId id="264" r:id="rId14"/>
+    <p:sldId id="262" r:id="rId15"/>
+    <p:sldId id="263" r:id="rId16"/>
+    <p:sldId id="265" r:id="rId17"/>
+    <p:sldId id="269" r:id="rId18"/>
   </p:sldIdLst>
   <p:sldSz cx="12192000" cy="6858000"/>
   <p:notesSz cx="6858000" cy="9144000"/>
@@ -114,6 +120,11 @@
       </a:defRPr>
     </a:lvl9pPr>
   </p:defaultTextStyle>
+  <p:extLst>
+    <p:ext uri="{EFAFB233-063F-42B5-8137-9DF3F51BA10A}">
+      <p15:sldGuideLst xmlns:p15="http://schemas.microsoft.com/office/powerpoint/2012/main"/>
+    </p:ext>
+  </p:extLst>
 </p:presentation>
 </file>
 
@@ -303,7 +314,7 @@
           <a:p>
             <a:fld id="{4AAD347D-5ACD-4C99-B74B-A9C85AD731AF}" type="datetimeFigureOut">
               <a:rPr lang="en-US" dirty="0"/>
-              <a:t>12/3/2018</a:t>
+              <a:t>12/5/2018</a:t>
             </a:fld>
             <a:endParaRPr lang="en-US" dirty="0"/>
           </a:p>
@@ -573,7 +584,7 @@
           <a:p>
             <a:fld id="{4509A250-FF31-4206-8172-F9D3106AACB1}" type="datetimeFigureOut">
               <a:rPr lang="en-US" dirty="0"/>
-              <a:t>12/3/2018</a:t>
+              <a:t>12/5/2018</a:t>
             </a:fld>
             <a:endParaRPr lang="en-US" dirty="0"/>
           </a:p>
@@ -762,7 +773,7 @@
           <a:p>
             <a:fld id="{4509A250-FF31-4206-8172-F9D3106AACB1}" type="datetimeFigureOut">
               <a:rPr lang="en-US" dirty="0"/>
-              <a:t>12/3/2018</a:t>
+              <a:t>12/5/2018</a:t>
             </a:fld>
             <a:endParaRPr lang="en-US" dirty="0"/>
           </a:p>
@@ -1028,7 +1039,7 @@
           <a:p>
             <a:fld id="{4509A250-FF31-4206-8172-F9D3106AACB1}" type="datetimeFigureOut">
               <a:rPr lang="en-US" dirty="0"/>
-              <a:t>12/3/2018</a:t>
+              <a:t>12/5/2018</a:t>
             </a:fld>
             <a:endParaRPr lang="en-US" dirty="0"/>
           </a:p>
@@ -1350,7 +1361,7 @@
           <a:p>
             <a:fld id="{4509A250-FF31-4206-8172-F9D3106AACB1}" type="datetimeFigureOut">
               <a:rPr lang="en-US" dirty="0"/>
-              <a:t>12/3/2018</a:t>
+              <a:t>12/5/2018</a:t>
             </a:fld>
             <a:endParaRPr lang="en-US" dirty="0"/>
           </a:p>
@@ -1964,7 +1975,7 @@
           <a:p>
             <a:fld id="{4509A250-FF31-4206-8172-F9D3106AACB1}" type="datetimeFigureOut">
               <a:rPr lang="en-US" dirty="0"/>
-              <a:t>12/3/2018</a:t>
+              <a:t>12/5/2018</a:t>
             </a:fld>
             <a:endParaRPr lang="en-US" dirty="0"/>
           </a:p>
@@ -2806,7 +2817,7 @@
           <a:p>
             <a:fld id="{4509A250-FF31-4206-8172-F9D3106AACB1}" type="datetimeFigureOut">
               <a:rPr lang="en-US" dirty="0"/>
-              <a:t>12/3/2018</a:t>
+              <a:t>12/5/2018</a:t>
             </a:fld>
             <a:endParaRPr lang="en-US" dirty="0"/>
           </a:p>
@@ -2971,7 +2982,7 @@
           <a:p>
             <a:fld id="{4509A250-FF31-4206-8172-F9D3106AACB1}" type="datetimeFigureOut">
               <a:rPr lang="en-US" dirty="0"/>
-              <a:t>12/3/2018</a:t>
+              <a:t>12/5/2018</a:t>
             </a:fld>
             <a:endParaRPr lang="en-US" dirty="0"/>
           </a:p>
@@ -3146,7 +3157,7 @@
           <a:p>
             <a:fld id="{4509A250-FF31-4206-8172-F9D3106AACB1}" type="datetimeFigureOut">
               <a:rPr lang="en-US" dirty="0"/>
-              <a:t>12/3/2018</a:t>
+              <a:t>12/5/2018</a:t>
             </a:fld>
             <a:endParaRPr lang="en-US" dirty="0"/>
           </a:p>
@@ -3311,7 +3322,7 @@
           <a:p>
             <a:fld id="{9796027F-7875-4030-9381-8BD8C4F21935}" type="datetimeFigureOut">
               <a:rPr lang="en-US" dirty="0"/>
-              <a:t>12/3/2018</a:t>
+              <a:t>12/5/2018</a:t>
             </a:fld>
             <a:endParaRPr lang="en-US" dirty="0"/>
           </a:p>
@@ -3560,7 +3571,7 @@
           <a:p>
             <a:fld id="{9796027F-7875-4030-9381-8BD8C4F21935}" type="datetimeFigureOut">
               <a:rPr lang="en-US" dirty="0"/>
-              <a:t>12/3/2018</a:t>
+              <a:t>12/5/2018</a:t>
             </a:fld>
             <a:endParaRPr lang="en-US" dirty="0"/>
           </a:p>
@@ -3854,7 +3865,7 @@
           <a:p>
             <a:fld id="{9796027F-7875-4030-9381-8BD8C4F21935}" type="datetimeFigureOut">
               <a:rPr lang="en-US" dirty="0"/>
-              <a:t>12/3/2018</a:t>
+              <a:t>12/5/2018</a:t>
             </a:fld>
             <a:endParaRPr lang="en-US" dirty="0"/>
           </a:p>
@@ -4293,7 +4304,7 @@
           <a:p>
             <a:fld id="{9796027F-7875-4030-9381-8BD8C4F21935}" type="datetimeFigureOut">
               <a:rPr lang="en-US" dirty="0"/>
-              <a:t>12/3/2018</a:t>
+              <a:t>12/5/2018</a:t>
             </a:fld>
             <a:endParaRPr lang="en-US" dirty="0"/>
           </a:p>
@@ -4406,7 +4417,7 @@
           <a:p>
             <a:fld id="{4509A250-FF31-4206-8172-F9D3106AACB1}" type="datetimeFigureOut">
               <a:rPr lang="en-US" dirty="0"/>
-              <a:t>12/3/2018</a:t>
+              <a:t>12/5/2018</a:t>
             </a:fld>
             <a:endParaRPr lang="en-US" dirty="0"/>
           </a:p>
@@ -4496,7 +4507,7 @@
           <a:p>
             <a:fld id="{4509A250-FF31-4206-8172-F9D3106AACB1}" type="datetimeFigureOut">
               <a:rPr lang="en-US" dirty="0"/>
-              <a:t>12/3/2018</a:t>
+              <a:t>12/5/2018</a:t>
             </a:fld>
             <a:endParaRPr lang="en-US" dirty="0"/>
           </a:p>
@@ -4770,7 +4781,7 @@
           <a:p>
             <a:fld id="{4509A250-FF31-4206-8172-F9D3106AACB1}" type="datetimeFigureOut">
               <a:rPr lang="en-US" dirty="0"/>
-              <a:t>12/3/2018</a:t>
+              <a:t>12/5/2018</a:t>
             </a:fld>
             <a:endParaRPr lang="en-US" dirty="0"/>
           </a:p>
@@ -5040,7 +5051,7 @@
           <a:p>
             <a:fld id="{4509A250-FF31-4206-8172-F9D3106AACB1}" type="datetimeFigureOut">
               <a:rPr lang="en-US" dirty="0"/>
-              <a:t>12/3/2018</a:t>
+              <a:t>12/5/2018</a:t>
             </a:fld>
             <a:endParaRPr lang="en-US" dirty="0"/>
           </a:p>
@@ -5458,7 +5469,7 @@
           <a:p>
             <a:fld id="{4AAD347D-5ACD-4C99-B74B-A9C85AD731AF}" type="datetimeFigureOut">
               <a:rPr lang="en-US" dirty="0"/>
-              <a:t>12/3/2018</a:t>
+              <a:t>12/5/2018</a:t>
             </a:fld>
             <a:endParaRPr lang="en-US" dirty="0"/>
           </a:p>
@@ -6110,6 +6121,9 @@
   <p:clrMapOvr>
     <a:masterClrMapping/>
   </p:clrMapOvr>
+  <p:transition spd="med">
+    <p:pull/>
+  </p:transition>
   <p:timing>
     <p:tnLst>
       <p:par>
@@ -6121,6 +6135,586 @@
 </file>
 
 <file path=ppt/slides/slide10.xml><?xml version="1.0" encoding="utf-8"?>
+<p:sld xmlns:a="http://schemas.openxmlformats.org/drawingml/2006/main" xmlns:r="http://schemas.openxmlformats.org/officeDocument/2006/relationships" xmlns:p="http://schemas.openxmlformats.org/presentationml/2006/main">
+  <p:cSld>
+    <p:spTree>
+      <p:nvGrpSpPr>
+        <p:cNvPr id="1" name=""/>
+        <p:cNvGrpSpPr/>
+        <p:nvPr/>
+      </p:nvGrpSpPr>
+      <p:grpSpPr>
+        <a:xfrm>
+          <a:off x="0" y="0"/>
+          <a:ext cx="0" cy="0"/>
+          <a:chOff x="0" y="0"/>
+          <a:chExt cx="0" cy="0"/>
+        </a:xfrm>
+      </p:grpSpPr>
+      <p:sp>
+        <p:nvSpPr>
+          <p:cNvPr id="2" name="Title 1"/>
+          <p:cNvSpPr>
+            <a:spLocks noGrp="1"/>
+          </p:cNvSpPr>
+          <p:nvPr>
+            <p:ph type="title"/>
+          </p:nvPr>
+        </p:nvSpPr>
+        <p:spPr/>
+        <p:txBody>
+          <a:bodyPr/>
+          <a:lstStyle/>
+          <a:p>
+            <a:r>
+              <a:rPr lang="fr-FR" dirty="0" smtClean="0"/>
+              <a:t>JavaScript</a:t>
+            </a:r>
+            <a:endParaRPr lang="fr-FR" dirty="0"/>
+          </a:p>
+        </p:txBody>
+      </p:sp>
+      <p:sp>
+        <p:nvSpPr>
+          <p:cNvPr id="3" name="Content Placeholder 2"/>
+          <p:cNvSpPr>
+            <a:spLocks noGrp="1"/>
+          </p:cNvSpPr>
+          <p:nvPr>
+            <p:ph idx="1"/>
+          </p:nvPr>
+        </p:nvSpPr>
+        <p:spPr/>
+        <p:txBody>
+          <a:bodyPr/>
+          <a:lstStyle/>
+          <a:p>
+            <a:r>
+              <a:rPr lang="fr-FR" dirty="0" smtClean="0"/>
+              <a:t>Déclaration de variables:</a:t>
+            </a:r>
+          </a:p>
+        </p:txBody>
+      </p:sp>
+      <p:pic>
+        <p:nvPicPr>
+          <p:cNvPr id="4" name="Picture 3"/>
+          <p:cNvPicPr>
+            <a:picLocks noChangeAspect="1"/>
+          </p:cNvPicPr>
+          <p:nvPr/>
+        </p:nvPicPr>
+        <p:blipFill>
+          <a:blip r:embed="rId2">
+            <a:extLst>
+              <a:ext uri="{28A0092B-C50C-407E-A947-70E740481C1C}">
+                <a14:useLocalDpi xmlns:a14="http://schemas.microsoft.com/office/drawing/2010/main" val="0"/>
+              </a:ext>
+            </a:extLst>
+          </a:blip>
+          <a:stretch>
+            <a:fillRect/>
+          </a:stretch>
+        </p:blipFill>
+        <p:spPr>
+          <a:xfrm>
+            <a:off x="5454316" y="2284406"/>
+            <a:ext cx="6311898" cy="4127981"/>
+          </a:xfrm>
+          <a:prstGeom prst="rect">
+            <a:avLst/>
+          </a:prstGeom>
+        </p:spPr>
+      </p:pic>
+    </p:spTree>
+    <p:extLst>
+      <p:ext uri="{BB962C8B-B14F-4D97-AF65-F5344CB8AC3E}">
+        <p14:creationId xmlns:p14="http://schemas.microsoft.com/office/powerpoint/2010/main" val="2156560789"/>
+      </p:ext>
+    </p:extLst>
+  </p:cSld>
+  <p:clrMapOvr>
+    <a:masterClrMapping/>
+  </p:clrMapOvr>
+  <p:transition spd="med">
+    <p:pull/>
+  </p:transition>
+  <p:timing>
+    <p:tnLst>
+      <p:par>
+        <p:cTn id="1" dur="indefinite" restart="never" nodeType="tmRoot"/>
+      </p:par>
+    </p:tnLst>
+  </p:timing>
+</p:sld>
+</file>
+
+<file path=ppt/slides/slide11.xml><?xml version="1.0" encoding="utf-8"?>
+<p:sld xmlns:a="http://schemas.openxmlformats.org/drawingml/2006/main" xmlns:r="http://schemas.openxmlformats.org/officeDocument/2006/relationships" xmlns:p="http://schemas.openxmlformats.org/presentationml/2006/main">
+  <p:cSld>
+    <p:spTree>
+      <p:nvGrpSpPr>
+        <p:cNvPr id="1" name=""/>
+        <p:cNvGrpSpPr/>
+        <p:nvPr/>
+      </p:nvGrpSpPr>
+      <p:grpSpPr>
+        <a:xfrm>
+          <a:off x="0" y="0"/>
+          <a:ext cx="0" cy="0"/>
+          <a:chOff x="0" y="0"/>
+          <a:chExt cx="0" cy="0"/>
+        </a:xfrm>
+      </p:grpSpPr>
+      <p:sp>
+        <p:nvSpPr>
+          <p:cNvPr id="2" name="Title 1"/>
+          <p:cNvSpPr>
+            <a:spLocks noGrp="1"/>
+          </p:cNvSpPr>
+          <p:nvPr>
+            <p:ph type="title"/>
+          </p:nvPr>
+        </p:nvSpPr>
+        <p:spPr/>
+        <p:txBody>
+          <a:bodyPr/>
+          <a:lstStyle/>
+          <a:p>
+            <a:r>
+              <a:rPr lang="fr-FR" dirty="0" smtClean="0"/>
+              <a:t>JavaScript</a:t>
+            </a:r>
+            <a:endParaRPr lang="fr-FR" dirty="0"/>
+          </a:p>
+        </p:txBody>
+      </p:sp>
+      <p:sp>
+        <p:nvSpPr>
+          <p:cNvPr id="3" name="Content Placeholder 2"/>
+          <p:cNvSpPr>
+            <a:spLocks noGrp="1"/>
+          </p:cNvSpPr>
+          <p:nvPr>
+            <p:ph idx="1"/>
+          </p:nvPr>
+        </p:nvSpPr>
+        <p:spPr/>
+        <p:txBody>
+          <a:bodyPr/>
+          <a:lstStyle/>
+          <a:p>
+            <a:r>
+              <a:rPr lang="fr-FR" dirty="0" smtClean="0"/>
+              <a:t>Les boucles </a:t>
+            </a:r>
+          </a:p>
+        </p:txBody>
+      </p:sp>
+      <p:pic>
+        <p:nvPicPr>
+          <p:cNvPr id="5" name="Picture 4"/>
+          <p:cNvPicPr>
+            <a:picLocks noChangeAspect="1"/>
+          </p:cNvPicPr>
+          <p:nvPr/>
+        </p:nvPicPr>
+        <p:blipFill>
+          <a:blip r:embed="rId2">
+            <a:extLst>
+              <a:ext uri="{28A0092B-C50C-407E-A947-70E740481C1C}">
+                <a14:useLocalDpi xmlns:a14="http://schemas.microsoft.com/office/drawing/2010/main" val="0"/>
+              </a:ext>
+            </a:extLst>
+          </a:blip>
+          <a:stretch>
+            <a:fillRect/>
+          </a:stretch>
+        </p:blipFill>
+        <p:spPr>
+          <a:xfrm>
+            <a:off x="2119956" y="3142658"/>
+            <a:ext cx="8573969" cy="3105741"/>
+          </a:xfrm>
+          <a:prstGeom prst="rect">
+            <a:avLst/>
+          </a:prstGeom>
+        </p:spPr>
+      </p:pic>
+    </p:spTree>
+    <p:extLst>
+      <p:ext uri="{BB962C8B-B14F-4D97-AF65-F5344CB8AC3E}">
+        <p14:creationId xmlns:p14="http://schemas.microsoft.com/office/powerpoint/2010/main" val="367144090"/>
+      </p:ext>
+    </p:extLst>
+  </p:cSld>
+  <p:clrMapOvr>
+    <a:masterClrMapping/>
+  </p:clrMapOvr>
+  <p:transition spd="med">
+    <p:pull/>
+  </p:transition>
+  <p:timing>
+    <p:tnLst>
+      <p:par>
+        <p:cTn id="1" dur="indefinite" restart="never" nodeType="tmRoot"/>
+      </p:par>
+    </p:tnLst>
+  </p:timing>
+</p:sld>
+</file>
+
+<file path=ppt/slides/slide12.xml><?xml version="1.0" encoding="utf-8"?>
+<p:sld xmlns:a="http://schemas.openxmlformats.org/drawingml/2006/main" xmlns:r="http://schemas.openxmlformats.org/officeDocument/2006/relationships" xmlns:p="http://schemas.openxmlformats.org/presentationml/2006/main">
+  <p:cSld>
+    <p:spTree>
+      <p:nvGrpSpPr>
+        <p:cNvPr id="1" name=""/>
+        <p:cNvGrpSpPr/>
+        <p:nvPr/>
+      </p:nvGrpSpPr>
+      <p:grpSpPr>
+        <a:xfrm>
+          <a:off x="0" y="0"/>
+          <a:ext cx="0" cy="0"/>
+          <a:chOff x="0" y="0"/>
+          <a:chExt cx="0" cy="0"/>
+        </a:xfrm>
+      </p:grpSpPr>
+      <p:sp>
+        <p:nvSpPr>
+          <p:cNvPr id="2" name="Title 1"/>
+          <p:cNvSpPr>
+            <a:spLocks noGrp="1"/>
+          </p:cNvSpPr>
+          <p:nvPr>
+            <p:ph type="title"/>
+          </p:nvPr>
+        </p:nvSpPr>
+        <p:spPr/>
+        <p:txBody>
+          <a:bodyPr/>
+          <a:lstStyle/>
+          <a:p>
+            <a:r>
+              <a:rPr lang="fr-FR" dirty="0" smtClean="0"/>
+              <a:t>JavaScript</a:t>
+            </a:r>
+            <a:endParaRPr lang="fr-FR" dirty="0"/>
+          </a:p>
+        </p:txBody>
+      </p:sp>
+      <p:sp>
+        <p:nvSpPr>
+          <p:cNvPr id="3" name="Content Placeholder 2"/>
+          <p:cNvSpPr>
+            <a:spLocks noGrp="1"/>
+          </p:cNvSpPr>
+          <p:nvPr>
+            <p:ph idx="1"/>
+          </p:nvPr>
+        </p:nvSpPr>
+        <p:spPr/>
+        <p:txBody>
+          <a:bodyPr/>
+          <a:lstStyle/>
+          <a:p>
+            <a:r>
+              <a:rPr lang="fr-FR" dirty="0" smtClean="0"/>
+              <a:t>Les conditions</a:t>
+            </a:r>
+          </a:p>
+        </p:txBody>
+      </p:sp>
+      <p:pic>
+        <p:nvPicPr>
+          <p:cNvPr id="5" name="Picture 4"/>
+          <p:cNvPicPr>
+            <a:picLocks noChangeAspect="1"/>
+          </p:cNvPicPr>
+          <p:nvPr/>
+        </p:nvPicPr>
+        <p:blipFill>
+          <a:blip r:embed="rId2">
+            <a:extLst>
+              <a:ext uri="{28A0092B-C50C-407E-A947-70E740481C1C}">
+                <a14:useLocalDpi xmlns:a14="http://schemas.microsoft.com/office/drawing/2010/main" val="0"/>
+              </a:ext>
+            </a:extLst>
+          </a:blip>
+          <a:stretch>
+            <a:fillRect/>
+          </a:stretch>
+        </p:blipFill>
+        <p:spPr>
+          <a:xfrm>
+            <a:off x="1411704" y="2953035"/>
+            <a:ext cx="9395688" cy="3279322"/>
+          </a:xfrm>
+          <a:prstGeom prst="rect">
+            <a:avLst/>
+          </a:prstGeom>
+        </p:spPr>
+      </p:pic>
+    </p:spTree>
+    <p:extLst>
+      <p:ext uri="{BB962C8B-B14F-4D97-AF65-F5344CB8AC3E}">
+        <p14:creationId xmlns:p14="http://schemas.microsoft.com/office/powerpoint/2010/main" val="2293293552"/>
+      </p:ext>
+    </p:extLst>
+  </p:cSld>
+  <p:clrMapOvr>
+    <a:masterClrMapping/>
+  </p:clrMapOvr>
+  <p:transition spd="med">
+    <p:pull/>
+  </p:transition>
+  <p:timing>
+    <p:tnLst>
+      <p:par>
+        <p:cTn id="1" dur="indefinite" restart="never" nodeType="tmRoot"/>
+      </p:par>
+    </p:tnLst>
+  </p:timing>
+</p:sld>
+</file>
+
+<file path=ppt/slides/slide13.xml><?xml version="1.0" encoding="utf-8"?>
+<p:sld xmlns:a="http://schemas.openxmlformats.org/drawingml/2006/main" xmlns:r="http://schemas.openxmlformats.org/officeDocument/2006/relationships" xmlns:p="http://schemas.openxmlformats.org/presentationml/2006/main">
+  <p:cSld>
+    <p:spTree>
+      <p:nvGrpSpPr>
+        <p:cNvPr id="1" name=""/>
+        <p:cNvGrpSpPr/>
+        <p:nvPr/>
+      </p:nvGrpSpPr>
+      <p:grpSpPr>
+        <a:xfrm>
+          <a:off x="0" y="0"/>
+          <a:ext cx="0" cy="0"/>
+          <a:chOff x="0" y="0"/>
+          <a:chExt cx="0" cy="0"/>
+        </a:xfrm>
+      </p:grpSpPr>
+      <p:sp>
+        <p:nvSpPr>
+          <p:cNvPr id="2" name="Title 1"/>
+          <p:cNvSpPr>
+            <a:spLocks noGrp="1"/>
+          </p:cNvSpPr>
+          <p:nvPr>
+            <p:ph type="title"/>
+          </p:nvPr>
+        </p:nvSpPr>
+        <p:spPr/>
+        <p:txBody>
+          <a:bodyPr/>
+          <a:lstStyle/>
+          <a:p>
+            <a:r>
+              <a:rPr lang="fr-FR" dirty="0" smtClean="0"/>
+              <a:t>JavaScript</a:t>
+            </a:r>
+            <a:endParaRPr lang="fr-FR" dirty="0"/>
+          </a:p>
+        </p:txBody>
+      </p:sp>
+      <p:sp>
+        <p:nvSpPr>
+          <p:cNvPr id="3" name="Content Placeholder 2"/>
+          <p:cNvSpPr>
+            <a:spLocks noGrp="1"/>
+          </p:cNvSpPr>
+          <p:nvPr>
+            <p:ph idx="1"/>
+          </p:nvPr>
+        </p:nvSpPr>
+        <p:spPr/>
+        <p:txBody>
+          <a:bodyPr/>
+          <a:lstStyle/>
+          <a:p>
+            <a:r>
+              <a:rPr lang="fr-FR" dirty="0" smtClean="0"/>
+              <a:t>Les selects  et options</a:t>
+            </a:r>
+          </a:p>
+        </p:txBody>
+      </p:sp>
+      <p:pic>
+        <p:nvPicPr>
+          <p:cNvPr id="4" name="Picture 3"/>
+          <p:cNvPicPr>
+            <a:picLocks noChangeAspect="1"/>
+          </p:cNvPicPr>
+          <p:nvPr/>
+        </p:nvPicPr>
+        <p:blipFill>
+          <a:blip r:embed="rId2">
+            <a:extLst>
+              <a:ext uri="{28A0092B-C50C-407E-A947-70E740481C1C}">
+                <a14:useLocalDpi xmlns:a14="http://schemas.microsoft.com/office/drawing/2010/main" val="0"/>
+              </a:ext>
+            </a:extLst>
+          </a:blip>
+          <a:stretch>
+            <a:fillRect/>
+          </a:stretch>
+        </p:blipFill>
+        <p:spPr>
+          <a:xfrm>
+            <a:off x="1867828" y="3672048"/>
+            <a:ext cx="8599120" cy="1445384"/>
+          </a:xfrm>
+          <a:prstGeom prst="rect">
+            <a:avLst/>
+          </a:prstGeom>
+        </p:spPr>
+      </p:pic>
+    </p:spTree>
+    <p:extLst>
+      <p:ext uri="{BB962C8B-B14F-4D97-AF65-F5344CB8AC3E}">
+        <p14:creationId xmlns:p14="http://schemas.microsoft.com/office/powerpoint/2010/main" val="4083442148"/>
+      </p:ext>
+    </p:extLst>
+  </p:cSld>
+  <p:clrMapOvr>
+    <a:masterClrMapping/>
+  </p:clrMapOvr>
+  <p:transition spd="med">
+    <p:pull/>
+  </p:transition>
+  <p:timing>
+    <p:tnLst>
+      <p:par>
+        <p:cTn id="1" dur="indefinite" restart="never" nodeType="tmRoot"/>
+      </p:par>
+    </p:tnLst>
+  </p:timing>
+</p:sld>
+</file>
+
+<file path=ppt/slides/slide14.xml><?xml version="1.0" encoding="utf-8"?>
+<p:sld xmlns:a="http://schemas.openxmlformats.org/drawingml/2006/main" xmlns:r="http://schemas.openxmlformats.org/officeDocument/2006/relationships" xmlns:p="http://schemas.openxmlformats.org/presentationml/2006/main">
+  <p:cSld>
+    <p:spTree>
+      <p:nvGrpSpPr>
+        <p:cNvPr id="1" name=""/>
+        <p:cNvGrpSpPr/>
+        <p:nvPr/>
+      </p:nvGrpSpPr>
+      <p:grpSpPr>
+        <a:xfrm>
+          <a:off x="0" y="0"/>
+          <a:ext cx="0" cy="0"/>
+          <a:chOff x="0" y="0"/>
+          <a:chExt cx="0" cy="0"/>
+        </a:xfrm>
+      </p:grpSpPr>
+      <p:sp>
+        <p:nvSpPr>
+          <p:cNvPr id="2" name="Title 1"/>
+          <p:cNvSpPr>
+            <a:spLocks noGrp="1"/>
+          </p:cNvSpPr>
+          <p:nvPr>
+            <p:ph type="title"/>
+          </p:nvPr>
+        </p:nvSpPr>
+        <p:spPr/>
+        <p:txBody>
+          <a:bodyPr/>
+          <a:lstStyle/>
+          <a:p>
+            <a:r>
+              <a:rPr lang="fr-FR" dirty="0" smtClean="0"/>
+              <a:t>JavaScript</a:t>
+            </a:r>
+            <a:endParaRPr lang="fr-FR" dirty="0"/>
+          </a:p>
+        </p:txBody>
+      </p:sp>
+      <p:sp>
+        <p:nvSpPr>
+          <p:cNvPr id="3" name="Content Placeholder 2"/>
+          <p:cNvSpPr>
+            <a:spLocks noGrp="1"/>
+          </p:cNvSpPr>
+          <p:nvPr>
+            <p:ph idx="1"/>
+          </p:nvPr>
+        </p:nvSpPr>
+        <p:spPr>
+          <a:xfrm>
+            <a:off x="1104293" y="2061795"/>
+            <a:ext cx="8946541" cy="4195481"/>
+          </a:xfrm>
+        </p:spPr>
+        <p:txBody>
+          <a:bodyPr/>
+          <a:lstStyle/>
+          <a:p>
+            <a:r>
+              <a:rPr lang="fr-FR" dirty="0" smtClean="0"/>
+              <a:t>Les fonctions: </a:t>
+            </a:r>
+          </a:p>
+        </p:txBody>
+      </p:sp>
+      <p:pic>
+        <p:nvPicPr>
+          <p:cNvPr id="4" name="Picture 3"/>
+          <p:cNvPicPr>
+            <a:picLocks noChangeAspect="1"/>
+          </p:cNvPicPr>
+          <p:nvPr/>
+        </p:nvPicPr>
+        <p:blipFill>
+          <a:blip r:embed="rId2">
+            <a:extLst>
+              <a:ext uri="{28A0092B-C50C-407E-A947-70E740481C1C}">
+                <a14:useLocalDpi xmlns:a14="http://schemas.microsoft.com/office/drawing/2010/main" val="0"/>
+              </a:ext>
+            </a:extLst>
+          </a:blip>
+          <a:stretch>
+            <a:fillRect/>
+          </a:stretch>
+        </p:blipFill>
+        <p:spPr>
+          <a:xfrm>
+            <a:off x="1347535" y="3525016"/>
+            <a:ext cx="9591087" cy="1725731"/>
+          </a:xfrm>
+          <a:prstGeom prst="rect">
+            <a:avLst/>
+          </a:prstGeom>
+        </p:spPr>
+      </p:pic>
+    </p:spTree>
+    <p:extLst>
+      <p:ext uri="{BB962C8B-B14F-4D97-AF65-F5344CB8AC3E}">
+        <p14:creationId xmlns:p14="http://schemas.microsoft.com/office/powerpoint/2010/main" val="515889488"/>
+      </p:ext>
+    </p:extLst>
+  </p:cSld>
+  <p:clrMapOvr>
+    <a:masterClrMapping/>
+  </p:clrMapOvr>
+  <p:transition spd="med">
+    <p:pull/>
+  </p:transition>
+  <p:timing>
+    <p:tnLst>
+      <p:par>
+        <p:cTn id="1" dur="indefinite" restart="never" nodeType="tmRoot"/>
+      </p:par>
+    </p:tnLst>
+  </p:timing>
+</p:sld>
+</file>
+
+<file path=ppt/slides/slide15.xml><?xml version="1.0" encoding="utf-8"?>
 <p:sld xmlns:a="http://schemas.openxmlformats.org/drawingml/2006/main" xmlns:r="http://schemas.openxmlformats.org/officeDocument/2006/relationships" xmlns:p="http://schemas.openxmlformats.org/presentationml/2006/main">
   <p:cSld>
     <p:spTree>
@@ -6341,6 +6935,9 @@
   <p:clrMapOvr>
     <a:masterClrMapping/>
   </p:clrMapOvr>
+  <p:transition spd="med">
+    <p:pull/>
+  </p:transition>
   <p:timing>
     <p:tnLst>
       <p:par>
@@ -6351,7 +6948,7 @@
 </p:sld>
 </file>
 
-<file path=ppt/slides/slide11.xml><?xml version="1.0" encoding="utf-8"?>
+<file path=ppt/slides/slide16.xml><?xml version="1.0" encoding="utf-8"?>
 <p:sld xmlns:a="http://schemas.openxmlformats.org/drawingml/2006/main" xmlns:r="http://schemas.openxmlformats.org/officeDocument/2006/relationships" xmlns:p="http://schemas.openxmlformats.org/presentationml/2006/main">
   <p:cSld>
     <p:spTree>
@@ -6495,6 +7092,92 @@
   <p:clrMapOvr>
     <a:masterClrMapping/>
   </p:clrMapOvr>
+  <p:transition spd="med">
+    <p:pull/>
+  </p:transition>
+  <p:timing>
+    <p:tnLst>
+      <p:par>
+        <p:cTn id="1" dur="indefinite" restart="never" nodeType="tmRoot"/>
+      </p:par>
+    </p:tnLst>
+  </p:timing>
+</p:sld>
+</file>
+
+<file path=ppt/slides/slide17.xml><?xml version="1.0" encoding="utf-8"?>
+<p:sld xmlns:a="http://schemas.openxmlformats.org/drawingml/2006/main" xmlns:r="http://schemas.openxmlformats.org/officeDocument/2006/relationships" xmlns:p="http://schemas.openxmlformats.org/presentationml/2006/main">
+  <p:cSld>
+    <p:spTree>
+      <p:nvGrpSpPr>
+        <p:cNvPr id="1" name=""/>
+        <p:cNvGrpSpPr/>
+        <p:nvPr/>
+      </p:nvGrpSpPr>
+      <p:grpSpPr>
+        <a:xfrm>
+          <a:off x="0" y="0"/>
+          <a:ext cx="0" cy="0"/>
+          <a:chOff x="0" y="0"/>
+          <a:chExt cx="0" cy="0"/>
+        </a:xfrm>
+      </p:grpSpPr>
+      <p:pic>
+        <p:nvPicPr>
+          <p:cNvPr id="1026" name="Picture 2" descr="Image result for thanks for your attention if you have any questions"/>
+          <p:cNvPicPr>
+            <a:picLocks noChangeAspect="1" noChangeArrowheads="1"/>
+          </p:cNvPicPr>
+          <p:nvPr/>
+        </p:nvPicPr>
+        <p:blipFill rotWithShape="1">
+          <a:blip r:embed="rId2">
+            <a:extLst>
+              <a:ext uri="{28A0092B-C50C-407E-A947-70E740481C1C}">
+                <a14:useLocalDpi xmlns:a14="http://schemas.microsoft.com/office/drawing/2010/main" val="0"/>
+              </a:ext>
+            </a:extLst>
+          </a:blip>
+          <a:srcRect l="5725" t="1706" r="4971" b="10795"/>
+          <a:stretch/>
+        </p:blipFill>
+        <p:spPr bwMode="auto">
+          <a:xfrm>
+            <a:off x="2692578" y="1380519"/>
+            <a:ext cx="6324812" cy="4212326"/>
+          </a:xfrm>
+          <a:prstGeom prst="rect">
+            <a:avLst/>
+          </a:prstGeom>
+          <a:noFill/>
+          <a:effectLst>
+            <a:outerShdw blurRad="50800" dist="38100" algn="l" rotWithShape="0">
+              <a:prstClr val="black">
+                <a:alpha val="40000"/>
+              </a:prstClr>
+            </a:outerShdw>
+          </a:effectLst>
+          <a:extLst>
+            <a:ext uri="{909E8E84-426E-40DD-AFC4-6F175D3DCCD1}">
+              <a14:hiddenFill xmlns:a14="http://schemas.microsoft.com/office/drawing/2010/main">
+                <a:solidFill>
+                  <a:srgbClr val="FFFFFF"/>
+                </a:solidFill>
+              </a14:hiddenFill>
+            </a:ext>
+          </a:extLst>
+        </p:spPr>
+      </p:pic>
+    </p:spTree>
+    <p:extLst>
+      <p:ext uri="{BB962C8B-B14F-4D97-AF65-F5344CB8AC3E}">
+        <p14:creationId xmlns:p14="http://schemas.microsoft.com/office/powerpoint/2010/main" val="140638544"/>
+      </p:ext>
+    </p:extLst>
+  </p:cSld>
+  <p:clrMapOvr>
+    <a:masterClrMapping/>
+  </p:clrMapOvr>
   <p:timing>
     <p:tnLst>
       <p:par>
@@ -6537,9 +7220,1167 @@
           <a:bodyPr/>
           <a:lstStyle/>
           <a:p>
+            <a:pPr algn="ctr"/>
+            <a:r>
+              <a:rPr lang="fr-FR" dirty="0" smtClean="0"/>
+              <a:t>Description du projet</a:t>
+            </a:r>
+            <a:endParaRPr lang="fr-FR" dirty="0"/>
+          </a:p>
+        </p:txBody>
+      </p:sp>
+      <p:sp>
+        <p:nvSpPr>
+          <p:cNvPr id="3" name="Content Placeholder 2"/>
+          <p:cNvSpPr>
+            <a:spLocks noGrp="1"/>
+          </p:cNvSpPr>
+          <p:nvPr>
+            <p:ph idx="1"/>
+          </p:nvPr>
+        </p:nvSpPr>
+        <p:spPr>
+          <a:xfrm>
+            <a:off x="1103312" y="2079045"/>
+            <a:ext cx="8946541" cy="1369550"/>
+          </a:xfrm>
+        </p:spPr>
+        <p:txBody>
+          <a:bodyPr/>
+          <a:lstStyle/>
+          <a:p>
+            <a:r>
+              <a:rPr lang="fr-FR" dirty="0" smtClean="0"/>
+              <a:t>Introduction</a:t>
+            </a:r>
+          </a:p>
+        </p:txBody>
+      </p:sp>
+    </p:spTree>
+    <p:extLst>
+      <p:ext uri="{BB962C8B-B14F-4D97-AF65-F5344CB8AC3E}">
+        <p14:creationId xmlns:p14="http://schemas.microsoft.com/office/powerpoint/2010/main" val="3829660058"/>
+      </p:ext>
+    </p:extLst>
+  </p:cSld>
+  <p:clrMapOvr>
+    <a:masterClrMapping/>
+  </p:clrMapOvr>
+  <p:transition spd="med">
+    <p:pull/>
+  </p:transition>
+  <p:timing>
+    <p:tnLst>
+      <p:par>
+        <p:cTn id="1" dur="indefinite" restart="never" nodeType="tmRoot"/>
+      </p:par>
+    </p:tnLst>
+  </p:timing>
+</p:sld>
+</file>
+
+<file path=ppt/slides/slide3.xml><?xml version="1.0" encoding="utf-8"?>
+<p:sld xmlns:a="http://schemas.openxmlformats.org/drawingml/2006/main" xmlns:r="http://schemas.openxmlformats.org/officeDocument/2006/relationships" xmlns:p="http://schemas.openxmlformats.org/presentationml/2006/main">
+  <p:cSld>
+    <p:spTree>
+      <p:nvGrpSpPr>
+        <p:cNvPr id="1" name=""/>
+        <p:cNvGrpSpPr/>
+        <p:nvPr/>
+      </p:nvGrpSpPr>
+      <p:grpSpPr>
+        <a:xfrm>
+          <a:off x="0" y="0"/>
+          <a:ext cx="0" cy="0"/>
+          <a:chOff x="0" y="0"/>
+          <a:chExt cx="0" cy="0"/>
+        </a:xfrm>
+      </p:grpSpPr>
+      <p:sp>
+        <p:nvSpPr>
+          <p:cNvPr id="2" name="Title 1"/>
+          <p:cNvSpPr>
+            <a:spLocks noGrp="1"/>
+          </p:cNvSpPr>
+          <p:nvPr>
+            <p:ph type="title"/>
+          </p:nvPr>
+        </p:nvSpPr>
+        <p:spPr/>
+        <p:txBody>
+          <a:bodyPr/>
+          <a:lstStyle/>
+          <a:p>
+            <a:pPr algn="ctr"/>
+            <a:r>
+              <a:rPr lang="fr-FR" dirty="0"/>
+              <a:t>Description du projet</a:t>
+            </a:r>
+          </a:p>
+        </p:txBody>
+      </p:sp>
+      <p:sp>
+        <p:nvSpPr>
+          <p:cNvPr id="4" name="Content Placeholder 2"/>
+          <p:cNvSpPr txBox="1">
+            <a:spLocks noGrp="1"/>
+          </p:cNvSpPr>
+          <p:nvPr>
+            <p:ph idx="1"/>
+          </p:nvPr>
+        </p:nvSpPr>
+        <p:spPr>
+          <a:prstGeom prst="rect">
+            <a:avLst/>
+          </a:prstGeom>
+        </p:spPr>
+        <p:txBody>
+          <a:bodyPr vert="horz" lIns="91440" tIns="45720" rIns="91440" bIns="45720" rtlCol="0">
+            <a:normAutofit/>
+          </a:bodyPr>
+          <a:lstStyle>
+            <a:lvl1pPr marL="342900" indent="-342900" algn="l" defTabSz="457200" rtl="0" eaLnBrk="1" latinLnBrk="0" hangingPunct="1">
+              <a:spcBef>
+                <a:spcPts val="1000"/>
+              </a:spcBef>
+              <a:spcAft>
+                <a:spcPts val="0"/>
+              </a:spcAft>
+              <a:buClr>
+                <a:schemeClr val="accent1">
+                  <a:lumMod val="60000"/>
+                  <a:lumOff val="40000"/>
+                </a:schemeClr>
+              </a:buClr>
+              <a:buSzPct val="80000"/>
+              <a:buFont typeface="Wingdings 3" charset="2"/>
+              <a:buChar char=""/>
+              <a:defRPr sz="2000" b="0" i="0" kern="1200">
+                <a:solidFill>
+                  <a:schemeClr val="tx1"/>
+                </a:solidFill>
+                <a:latin typeface="+mj-lt"/>
+                <a:ea typeface="+mj-ea"/>
+                <a:cs typeface="+mj-cs"/>
+              </a:defRPr>
+            </a:lvl1pPr>
+            <a:lvl2pPr marL="742950" indent="-285750" algn="l" defTabSz="457200" rtl="0" eaLnBrk="1" latinLnBrk="0" hangingPunct="1">
+              <a:spcBef>
+                <a:spcPts val="1000"/>
+              </a:spcBef>
+              <a:spcAft>
+                <a:spcPts val="0"/>
+              </a:spcAft>
+              <a:buClr>
+                <a:schemeClr val="accent1">
+                  <a:lumMod val="60000"/>
+                  <a:lumOff val="40000"/>
+                </a:schemeClr>
+              </a:buClr>
+              <a:buSzPct val="80000"/>
+              <a:buFont typeface="Wingdings 3" charset="2"/>
+              <a:buChar char=""/>
+              <a:defRPr sz="1800" b="0" i="0" kern="1200">
+                <a:solidFill>
+                  <a:schemeClr val="tx1"/>
+                </a:solidFill>
+                <a:latin typeface="+mj-lt"/>
+                <a:ea typeface="+mj-ea"/>
+                <a:cs typeface="+mj-cs"/>
+              </a:defRPr>
+            </a:lvl2pPr>
+            <a:lvl3pPr marL="1143000" indent="-228600" algn="l" defTabSz="457200" rtl="0" eaLnBrk="1" latinLnBrk="0" hangingPunct="1">
+              <a:spcBef>
+                <a:spcPts val="1000"/>
+              </a:spcBef>
+              <a:spcAft>
+                <a:spcPts val="0"/>
+              </a:spcAft>
+              <a:buClr>
+                <a:schemeClr val="accent1">
+                  <a:lumMod val="60000"/>
+                  <a:lumOff val="40000"/>
+                </a:schemeClr>
+              </a:buClr>
+              <a:buSzPct val="80000"/>
+              <a:buFont typeface="Wingdings 3" charset="2"/>
+              <a:buChar char=""/>
+              <a:defRPr sz="1600" b="0" i="0" kern="1200">
+                <a:solidFill>
+                  <a:schemeClr val="tx1"/>
+                </a:solidFill>
+                <a:latin typeface="+mj-lt"/>
+                <a:ea typeface="+mj-ea"/>
+                <a:cs typeface="+mj-cs"/>
+              </a:defRPr>
+            </a:lvl3pPr>
+            <a:lvl4pPr marL="1600200" indent="-228600" algn="l" defTabSz="457200" rtl="0" eaLnBrk="1" latinLnBrk="0" hangingPunct="1">
+              <a:spcBef>
+                <a:spcPts val="1000"/>
+              </a:spcBef>
+              <a:spcAft>
+                <a:spcPts val="0"/>
+              </a:spcAft>
+              <a:buClr>
+                <a:schemeClr val="accent1">
+                  <a:lumMod val="60000"/>
+                  <a:lumOff val="40000"/>
+                </a:schemeClr>
+              </a:buClr>
+              <a:buSzPct val="80000"/>
+              <a:buFont typeface="Wingdings 3" charset="2"/>
+              <a:buChar char=""/>
+              <a:defRPr sz="1400" b="0" i="0" kern="1200">
+                <a:solidFill>
+                  <a:schemeClr val="tx1"/>
+                </a:solidFill>
+                <a:latin typeface="+mj-lt"/>
+                <a:ea typeface="+mj-ea"/>
+                <a:cs typeface="+mj-cs"/>
+              </a:defRPr>
+            </a:lvl4pPr>
+            <a:lvl5pPr marL="2057400" indent="-228600" algn="l" defTabSz="457200" rtl="0" eaLnBrk="1" latinLnBrk="0" hangingPunct="1">
+              <a:spcBef>
+                <a:spcPts val="1000"/>
+              </a:spcBef>
+              <a:spcAft>
+                <a:spcPts val="0"/>
+              </a:spcAft>
+              <a:buClr>
+                <a:schemeClr val="accent1">
+                  <a:lumMod val="60000"/>
+                  <a:lumOff val="40000"/>
+                </a:schemeClr>
+              </a:buClr>
+              <a:buSzPct val="80000"/>
+              <a:buFont typeface="Wingdings 3" charset="2"/>
+              <a:buChar char=""/>
+              <a:defRPr sz="1400" b="0" i="0" kern="1200">
+                <a:solidFill>
+                  <a:schemeClr val="tx1"/>
+                </a:solidFill>
+                <a:latin typeface="+mj-lt"/>
+                <a:ea typeface="+mj-ea"/>
+                <a:cs typeface="+mj-cs"/>
+              </a:defRPr>
+            </a:lvl5pPr>
+            <a:lvl6pPr marL="2514600" indent="-228600" algn="l" defTabSz="457200" rtl="0" eaLnBrk="1" latinLnBrk="0" hangingPunct="1">
+              <a:spcBef>
+                <a:spcPts val="1000"/>
+              </a:spcBef>
+              <a:spcAft>
+                <a:spcPts val="0"/>
+              </a:spcAft>
+              <a:buClr>
+                <a:schemeClr val="accent1">
+                  <a:lumMod val="60000"/>
+                  <a:lumOff val="40000"/>
+                </a:schemeClr>
+              </a:buClr>
+              <a:buSzPct val="80000"/>
+              <a:buFont typeface="Wingdings 3" charset="2"/>
+              <a:buChar char=""/>
+              <a:defRPr sz="1400" b="0" i="0" kern="1200">
+                <a:solidFill>
+                  <a:schemeClr val="tx1"/>
+                </a:solidFill>
+                <a:latin typeface="+mj-lt"/>
+                <a:ea typeface="+mj-ea"/>
+                <a:cs typeface="+mj-cs"/>
+              </a:defRPr>
+            </a:lvl6pPr>
+            <a:lvl7pPr marL="2971800" indent="-228600" algn="l" defTabSz="457200" rtl="0" eaLnBrk="1" latinLnBrk="0" hangingPunct="1">
+              <a:spcBef>
+                <a:spcPts val="1000"/>
+              </a:spcBef>
+              <a:spcAft>
+                <a:spcPts val="0"/>
+              </a:spcAft>
+              <a:buClr>
+                <a:schemeClr val="accent1">
+                  <a:lumMod val="60000"/>
+                  <a:lumOff val="40000"/>
+                </a:schemeClr>
+              </a:buClr>
+              <a:buSzPct val="80000"/>
+              <a:buFont typeface="Wingdings 3" charset="2"/>
+              <a:buChar char=""/>
+              <a:defRPr sz="1400" b="0" i="0" kern="1200">
+                <a:solidFill>
+                  <a:schemeClr val="tx1"/>
+                </a:solidFill>
+                <a:latin typeface="+mj-lt"/>
+                <a:ea typeface="+mj-ea"/>
+                <a:cs typeface="+mj-cs"/>
+              </a:defRPr>
+            </a:lvl7pPr>
+            <a:lvl8pPr marL="3429000" indent="-228600" algn="l" defTabSz="457200" rtl="0" eaLnBrk="1" latinLnBrk="0" hangingPunct="1">
+              <a:spcBef>
+                <a:spcPts val="1000"/>
+              </a:spcBef>
+              <a:spcAft>
+                <a:spcPts val="0"/>
+              </a:spcAft>
+              <a:buClr>
+                <a:schemeClr val="accent1">
+                  <a:lumMod val="60000"/>
+                  <a:lumOff val="40000"/>
+                </a:schemeClr>
+              </a:buClr>
+              <a:buSzPct val="80000"/>
+              <a:buFont typeface="Wingdings 3" charset="2"/>
+              <a:buChar char=""/>
+              <a:defRPr sz="1400" b="0" i="0" kern="1200">
+                <a:solidFill>
+                  <a:schemeClr val="tx1"/>
+                </a:solidFill>
+                <a:latin typeface="+mj-lt"/>
+                <a:ea typeface="+mj-ea"/>
+                <a:cs typeface="+mj-cs"/>
+              </a:defRPr>
+            </a:lvl8pPr>
+            <a:lvl9pPr marL="3886200" indent="-228600" algn="l" defTabSz="457200" rtl="0" eaLnBrk="1" latinLnBrk="0" hangingPunct="1">
+              <a:spcBef>
+                <a:spcPts val="1000"/>
+              </a:spcBef>
+              <a:spcAft>
+                <a:spcPts val="0"/>
+              </a:spcAft>
+              <a:buClr>
+                <a:schemeClr val="accent1">
+                  <a:lumMod val="60000"/>
+                  <a:lumOff val="40000"/>
+                </a:schemeClr>
+              </a:buClr>
+              <a:buSzPct val="80000"/>
+              <a:buFont typeface="Wingdings 3" charset="2"/>
+              <a:buChar char=""/>
+              <a:defRPr sz="1400" b="0" i="0" kern="1200">
+                <a:solidFill>
+                  <a:schemeClr val="tx1"/>
+                </a:solidFill>
+                <a:latin typeface="+mj-lt"/>
+                <a:ea typeface="+mj-ea"/>
+                <a:cs typeface="+mj-cs"/>
+              </a:defRPr>
+            </a:lvl9pPr>
+          </a:lstStyle>
+          <a:p>
+            <a:r>
+              <a:rPr lang="fr-FR" dirty="0" smtClean="0"/>
+              <a:t>Quel est le but de ce projet</a:t>
+            </a:r>
+          </a:p>
+        </p:txBody>
+      </p:sp>
+    </p:spTree>
+    <p:extLst>
+      <p:ext uri="{BB962C8B-B14F-4D97-AF65-F5344CB8AC3E}">
+        <p14:creationId xmlns:p14="http://schemas.microsoft.com/office/powerpoint/2010/main" val="3633703797"/>
+      </p:ext>
+    </p:extLst>
+  </p:cSld>
+  <p:clrMapOvr>
+    <a:masterClrMapping/>
+  </p:clrMapOvr>
+  <p:transition spd="med">
+    <p:pull/>
+  </p:transition>
+  <p:timing>
+    <p:tnLst>
+      <p:par>
+        <p:cTn id="1" dur="indefinite" restart="never" nodeType="tmRoot"/>
+      </p:par>
+    </p:tnLst>
+  </p:timing>
+</p:sld>
+</file>
+
+<file path=ppt/slides/slide4.xml><?xml version="1.0" encoding="utf-8"?>
+<p:sld xmlns:a="http://schemas.openxmlformats.org/drawingml/2006/main" xmlns:r="http://schemas.openxmlformats.org/officeDocument/2006/relationships" xmlns:p="http://schemas.openxmlformats.org/presentationml/2006/main">
+  <p:cSld>
+    <p:spTree>
+      <p:nvGrpSpPr>
+        <p:cNvPr id="1" name=""/>
+        <p:cNvGrpSpPr/>
+        <p:nvPr/>
+      </p:nvGrpSpPr>
+      <p:grpSpPr>
+        <a:xfrm>
+          <a:off x="0" y="0"/>
+          <a:ext cx="0" cy="0"/>
+          <a:chOff x="0" y="0"/>
+          <a:chExt cx="0" cy="0"/>
+        </a:xfrm>
+      </p:grpSpPr>
+      <p:sp>
+        <p:nvSpPr>
+          <p:cNvPr id="2" name="Title 1"/>
+          <p:cNvSpPr>
+            <a:spLocks noGrp="1"/>
+          </p:cNvSpPr>
+          <p:nvPr>
+            <p:ph type="title"/>
+          </p:nvPr>
+        </p:nvSpPr>
+        <p:spPr/>
+        <p:txBody>
+          <a:bodyPr/>
+          <a:lstStyle/>
+          <a:p>
+            <a:pPr algn="ctr"/>
+            <a:r>
+              <a:rPr lang="fr-FR" dirty="0"/>
+              <a:t>Description du projet</a:t>
+            </a:r>
+          </a:p>
+        </p:txBody>
+      </p:sp>
+      <p:sp>
+        <p:nvSpPr>
+          <p:cNvPr id="4" name="Content Placeholder 2"/>
+          <p:cNvSpPr txBox="1">
+            <a:spLocks noGrp="1"/>
+          </p:cNvSpPr>
+          <p:nvPr>
+            <p:ph idx="1"/>
+          </p:nvPr>
+        </p:nvSpPr>
+        <p:spPr>
+          <a:prstGeom prst="rect">
+            <a:avLst/>
+          </a:prstGeom>
+        </p:spPr>
+        <p:txBody>
+          <a:bodyPr vert="horz" lIns="91440" tIns="45720" rIns="91440" bIns="45720" rtlCol="0">
+            <a:normAutofit/>
+          </a:bodyPr>
+          <a:lstStyle>
+            <a:lvl1pPr marL="342900" indent="-342900" algn="l" defTabSz="457200" rtl="0" eaLnBrk="1" latinLnBrk="0" hangingPunct="1">
+              <a:spcBef>
+                <a:spcPts val="1000"/>
+              </a:spcBef>
+              <a:spcAft>
+                <a:spcPts val="0"/>
+              </a:spcAft>
+              <a:buClr>
+                <a:schemeClr val="accent1">
+                  <a:lumMod val="60000"/>
+                  <a:lumOff val="40000"/>
+                </a:schemeClr>
+              </a:buClr>
+              <a:buSzPct val="80000"/>
+              <a:buFont typeface="Wingdings 3" charset="2"/>
+              <a:buChar char=""/>
+              <a:defRPr sz="2000" b="0" i="0" kern="1200">
+                <a:solidFill>
+                  <a:schemeClr val="tx1"/>
+                </a:solidFill>
+                <a:latin typeface="+mj-lt"/>
+                <a:ea typeface="+mj-ea"/>
+                <a:cs typeface="+mj-cs"/>
+              </a:defRPr>
+            </a:lvl1pPr>
+            <a:lvl2pPr marL="742950" indent="-285750" algn="l" defTabSz="457200" rtl="0" eaLnBrk="1" latinLnBrk="0" hangingPunct="1">
+              <a:spcBef>
+                <a:spcPts val="1000"/>
+              </a:spcBef>
+              <a:spcAft>
+                <a:spcPts val="0"/>
+              </a:spcAft>
+              <a:buClr>
+                <a:schemeClr val="accent1">
+                  <a:lumMod val="60000"/>
+                  <a:lumOff val="40000"/>
+                </a:schemeClr>
+              </a:buClr>
+              <a:buSzPct val="80000"/>
+              <a:buFont typeface="Wingdings 3" charset="2"/>
+              <a:buChar char=""/>
+              <a:defRPr sz="1800" b="0" i="0" kern="1200">
+                <a:solidFill>
+                  <a:schemeClr val="tx1"/>
+                </a:solidFill>
+                <a:latin typeface="+mj-lt"/>
+                <a:ea typeface="+mj-ea"/>
+                <a:cs typeface="+mj-cs"/>
+              </a:defRPr>
+            </a:lvl2pPr>
+            <a:lvl3pPr marL="1143000" indent="-228600" algn="l" defTabSz="457200" rtl="0" eaLnBrk="1" latinLnBrk="0" hangingPunct="1">
+              <a:spcBef>
+                <a:spcPts val="1000"/>
+              </a:spcBef>
+              <a:spcAft>
+                <a:spcPts val="0"/>
+              </a:spcAft>
+              <a:buClr>
+                <a:schemeClr val="accent1">
+                  <a:lumMod val="60000"/>
+                  <a:lumOff val="40000"/>
+                </a:schemeClr>
+              </a:buClr>
+              <a:buSzPct val="80000"/>
+              <a:buFont typeface="Wingdings 3" charset="2"/>
+              <a:buChar char=""/>
+              <a:defRPr sz="1600" b="0" i="0" kern="1200">
+                <a:solidFill>
+                  <a:schemeClr val="tx1"/>
+                </a:solidFill>
+                <a:latin typeface="+mj-lt"/>
+                <a:ea typeface="+mj-ea"/>
+                <a:cs typeface="+mj-cs"/>
+              </a:defRPr>
+            </a:lvl3pPr>
+            <a:lvl4pPr marL="1600200" indent="-228600" algn="l" defTabSz="457200" rtl="0" eaLnBrk="1" latinLnBrk="0" hangingPunct="1">
+              <a:spcBef>
+                <a:spcPts val="1000"/>
+              </a:spcBef>
+              <a:spcAft>
+                <a:spcPts val="0"/>
+              </a:spcAft>
+              <a:buClr>
+                <a:schemeClr val="accent1">
+                  <a:lumMod val="60000"/>
+                  <a:lumOff val="40000"/>
+                </a:schemeClr>
+              </a:buClr>
+              <a:buSzPct val="80000"/>
+              <a:buFont typeface="Wingdings 3" charset="2"/>
+              <a:buChar char=""/>
+              <a:defRPr sz="1400" b="0" i="0" kern="1200">
+                <a:solidFill>
+                  <a:schemeClr val="tx1"/>
+                </a:solidFill>
+                <a:latin typeface="+mj-lt"/>
+                <a:ea typeface="+mj-ea"/>
+                <a:cs typeface="+mj-cs"/>
+              </a:defRPr>
+            </a:lvl4pPr>
+            <a:lvl5pPr marL="2057400" indent="-228600" algn="l" defTabSz="457200" rtl="0" eaLnBrk="1" latinLnBrk="0" hangingPunct="1">
+              <a:spcBef>
+                <a:spcPts val="1000"/>
+              </a:spcBef>
+              <a:spcAft>
+                <a:spcPts val="0"/>
+              </a:spcAft>
+              <a:buClr>
+                <a:schemeClr val="accent1">
+                  <a:lumMod val="60000"/>
+                  <a:lumOff val="40000"/>
+                </a:schemeClr>
+              </a:buClr>
+              <a:buSzPct val="80000"/>
+              <a:buFont typeface="Wingdings 3" charset="2"/>
+              <a:buChar char=""/>
+              <a:defRPr sz="1400" b="0" i="0" kern="1200">
+                <a:solidFill>
+                  <a:schemeClr val="tx1"/>
+                </a:solidFill>
+                <a:latin typeface="+mj-lt"/>
+                <a:ea typeface="+mj-ea"/>
+                <a:cs typeface="+mj-cs"/>
+              </a:defRPr>
+            </a:lvl5pPr>
+            <a:lvl6pPr marL="2514600" indent="-228600" algn="l" defTabSz="457200" rtl="0" eaLnBrk="1" latinLnBrk="0" hangingPunct="1">
+              <a:spcBef>
+                <a:spcPts val="1000"/>
+              </a:spcBef>
+              <a:spcAft>
+                <a:spcPts val="0"/>
+              </a:spcAft>
+              <a:buClr>
+                <a:schemeClr val="accent1">
+                  <a:lumMod val="60000"/>
+                  <a:lumOff val="40000"/>
+                </a:schemeClr>
+              </a:buClr>
+              <a:buSzPct val="80000"/>
+              <a:buFont typeface="Wingdings 3" charset="2"/>
+              <a:buChar char=""/>
+              <a:defRPr sz="1400" b="0" i="0" kern="1200">
+                <a:solidFill>
+                  <a:schemeClr val="tx1"/>
+                </a:solidFill>
+                <a:latin typeface="+mj-lt"/>
+                <a:ea typeface="+mj-ea"/>
+                <a:cs typeface="+mj-cs"/>
+              </a:defRPr>
+            </a:lvl6pPr>
+            <a:lvl7pPr marL="2971800" indent="-228600" algn="l" defTabSz="457200" rtl="0" eaLnBrk="1" latinLnBrk="0" hangingPunct="1">
+              <a:spcBef>
+                <a:spcPts val="1000"/>
+              </a:spcBef>
+              <a:spcAft>
+                <a:spcPts val="0"/>
+              </a:spcAft>
+              <a:buClr>
+                <a:schemeClr val="accent1">
+                  <a:lumMod val="60000"/>
+                  <a:lumOff val="40000"/>
+                </a:schemeClr>
+              </a:buClr>
+              <a:buSzPct val="80000"/>
+              <a:buFont typeface="Wingdings 3" charset="2"/>
+              <a:buChar char=""/>
+              <a:defRPr sz="1400" b="0" i="0" kern="1200">
+                <a:solidFill>
+                  <a:schemeClr val="tx1"/>
+                </a:solidFill>
+                <a:latin typeface="+mj-lt"/>
+                <a:ea typeface="+mj-ea"/>
+                <a:cs typeface="+mj-cs"/>
+              </a:defRPr>
+            </a:lvl7pPr>
+            <a:lvl8pPr marL="3429000" indent="-228600" algn="l" defTabSz="457200" rtl="0" eaLnBrk="1" latinLnBrk="0" hangingPunct="1">
+              <a:spcBef>
+                <a:spcPts val="1000"/>
+              </a:spcBef>
+              <a:spcAft>
+                <a:spcPts val="0"/>
+              </a:spcAft>
+              <a:buClr>
+                <a:schemeClr val="accent1">
+                  <a:lumMod val="60000"/>
+                  <a:lumOff val="40000"/>
+                </a:schemeClr>
+              </a:buClr>
+              <a:buSzPct val="80000"/>
+              <a:buFont typeface="Wingdings 3" charset="2"/>
+              <a:buChar char=""/>
+              <a:defRPr sz="1400" b="0" i="0" kern="1200">
+                <a:solidFill>
+                  <a:schemeClr val="tx1"/>
+                </a:solidFill>
+                <a:latin typeface="+mj-lt"/>
+                <a:ea typeface="+mj-ea"/>
+                <a:cs typeface="+mj-cs"/>
+              </a:defRPr>
+            </a:lvl8pPr>
+            <a:lvl9pPr marL="3886200" indent="-228600" algn="l" defTabSz="457200" rtl="0" eaLnBrk="1" latinLnBrk="0" hangingPunct="1">
+              <a:spcBef>
+                <a:spcPts val="1000"/>
+              </a:spcBef>
+              <a:spcAft>
+                <a:spcPts val="0"/>
+              </a:spcAft>
+              <a:buClr>
+                <a:schemeClr val="accent1">
+                  <a:lumMod val="60000"/>
+                  <a:lumOff val="40000"/>
+                </a:schemeClr>
+              </a:buClr>
+              <a:buSzPct val="80000"/>
+              <a:buFont typeface="Wingdings 3" charset="2"/>
+              <a:buChar char=""/>
+              <a:defRPr sz="1400" b="0" i="0" kern="1200">
+                <a:solidFill>
+                  <a:schemeClr val="tx1"/>
+                </a:solidFill>
+                <a:latin typeface="+mj-lt"/>
+                <a:ea typeface="+mj-ea"/>
+                <a:cs typeface="+mj-cs"/>
+              </a:defRPr>
+            </a:lvl9pPr>
+          </a:lstStyle>
+          <a:p>
+            <a:r>
+              <a:rPr lang="fr-FR" dirty="0"/>
+              <a:t>Technologies utilisées</a:t>
+            </a:r>
+          </a:p>
+        </p:txBody>
+      </p:sp>
+      <p:sp>
+        <p:nvSpPr>
+          <p:cNvPr id="5" name="Content Placeholder 2"/>
+          <p:cNvSpPr txBox="1">
+            <a:spLocks/>
+          </p:cNvSpPr>
+          <p:nvPr/>
+        </p:nvSpPr>
+        <p:spPr>
+          <a:xfrm>
+            <a:off x="1103312" y="4818145"/>
+            <a:ext cx="8946541" cy="1369550"/>
+          </a:xfrm>
+          <a:prstGeom prst="rect">
+            <a:avLst/>
+          </a:prstGeom>
+        </p:spPr>
+        <p:txBody>
+          <a:bodyPr vert="horz" lIns="91440" tIns="45720" rIns="91440" bIns="45720" rtlCol="0">
+            <a:normAutofit/>
+          </a:bodyPr>
+          <a:lstStyle>
+            <a:lvl1pPr marL="342900" indent="-342900" algn="l" defTabSz="457200" rtl="0" eaLnBrk="1" latinLnBrk="0" hangingPunct="1">
+              <a:spcBef>
+                <a:spcPts val="1000"/>
+              </a:spcBef>
+              <a:spcAft>
+                <a:spcPts val="0"/>
+              </a:spcAft>
+              <a:buClr>
+                <a:schemeClr val="accent1">
+                  <a:lumMod val="60000"/>
+                  <a:lumOff val="40000"/>
+                </a:schemeClr>
+              </a:buClr>
+              <a:buSzPct val="80000"/>
+              <a:buFont typeface="Wingdings 3" charset="2"/>
+              <a:buChar char=""/>
+              <a:defRPr sz="2000" b="0" i="0" kern="1200">
+                <a:solidFill>
+                  <a:schemeClr val="tx1"/>
+                </a:solidFill>
+                <a:latin typeface="+mj-lt"/>
+                <a:ea typeface="+mj-ea"/>
+                <a:cs typeface="+mj-cs"/>
+              </a:defRPr>
+            </a:lvl1pPr>
+            <a:lvl2pPr marL="742950" indent="-285750" algn="l" defTabSz="457200" rtl="0" eaLnBrk="1" latinLnBrk="0" hangingPunct="1">
+              <a:spcBef>
+                <a:spcPts val="1000"/>
+              </a:spcBef>
+              <a:spcAft>
+                <a:spcPts val="0"/>
+              </a:spcAft>
+              <a:buClr>
+                <a:schemeClr val="accent1">
+                  <a:lumMod val="60000"/>
+                  <a:lumOff val="40000"/>
+                </a:schemeClr>
+              </a:buClr>
+              <a:buSzPct val="80000"/>
+              <a:buFont typeface="Wingdings 3" charset="2"/>
+              <a:buChar char=""/>
+              <a:defRPr sz="1800" b="0" i="0" kern="1200">
+                <a:solidFill>
+                  <a:schemeClr val="tx1"/>
+                </a:solidFill>
+                <a:latin typeface="+mj-lt"/>
+                <a:ea typeface="+mj-ea"/>
+                <a:cs typeface="+mj-cs"/>
+              </a:defRPr>
+            </a:lvl2pPr>
+            <a:lvl3pPr marL="1143000" indent="-228600" algn="l" defTabSz="457200" rtl="0" eaLnBrk="1" latinLnBrk="0" hangingPunct="1">
+              <a:spcBef>
+                <a:spcPts val="1000"/>
+              </a:spcBef>
+              <a:spcAft>
+                <a:spcPts val="0"/>
+              </a:spcAft>
+              <a:buClr>
+                <a:schemeClr val="accent1">
+                  <a:lumMod val="60000"/>
+                  <a:lumOff val="40000"/>
+                </a:schemeClr>
+              </a:buClr>
+              <a:buSzPct val="80000"/>
+              <a:buFont typeface="Wingdings 3" charset="2"/>
+              <a:buChar char=""/>
+              <a:defRPr sz="1600" b="0" i="0" kern="1200">
+                <a:solidFill>
+                  <a:schemeClr val="tx1"/>
+                </a:solidFill>
+                <a:latin typeface="+mj-lt"/>
+                <a:ea typeface="+mj-ea"/>
+                <a:cs typeface="+mj-cs"/>
+              </a:defRPr>
+            </a:lvl3pPr>
+            <a:lvl4pPr marL="1600200" indent="-228600" algn="l" defTabSz="457200" rtl="0" eaLnBrk="1" latinLnBrk="0" hangingPunct="1">
+              <a:spcBef>
+                <a:spcPts val="1000"/>
+              </a:spcBef>
+              <a:spcAft>
+                <a:spcPts val="0"/>
+              </a:spcAft>
+              <a:buClr>
+                <a:schemeClr val="accent1">
+                  <a:lumMod val="60000"/>
+                  <a:lumOff val="40000"/>
+                </a:schemeClr>
+              </a:buClr>
+              <a:buSzPct val="80000"/>
+              <a:buFont typeface="Wingdings 3" charset="2"/>
+              <a:buChar char=""/>
+              <a:defRPr sz="1400" b="0" i="0" kern="1200">
+                <a:solidFill>
+                  <a:schemeClr val="tx1"/>
+                </a:solidFill>
+                <a:latin typeface="+mj-lt"/>
+                <a:ea typeface="+mj-ea"/>
+                <a:cs typeface="+mj-cs"/>
+              </a:defRPr>
+            </a:lvl4pPr>
+            <a:lvl5pPr marL="2057400" indent="-228600" algn="l" defTabSz="457200" rtl="0" eaLnBrk="1" latinLnBrk="0" hangingPunct="1">
+              <a:spcBef>
+                <a:spcPts val="1000"/>
+              </a:spcBef>
+              <a:spcAft>
+                <a:spcPts val="0"/>
+              </a:spcAft>
+              <a:buClr>
+                <a:schemeClr val="accent1">
+                  <a:lumMod val="60000"/>
+                  <a:lumOff val="40000"/>
+                </a:schemeClr>
+              </a:buClr>
+              <a:buSzPct val="80000"/>
+              <a:buFont typeface="Wingdings 3" charset="2"/>
+              <a:buChar char=""/>
+              <a:defRPr sz="1400" b="0" i="0" kern="1200">
+                <a:solidFill>
+                  <a:schemeClr val="tx1"/>
+                </a:solidFill>
+                <a:latin typeface="+mj-lt"/>
+                <a:ea typeface="+mj-ea"/>
+                <a:cs typeface="+mj-cs"/>
+              </a:defRPr>
+            </a:lvl5pPr>
+            <a:lvl6pPr marL="2514600" indent="-228600" algn="l" defTabSz="457200" rtl="0" eaLnBrk="1" latinLnBrk="0" hangingPunct="1">
+              <a:spcBef>
+                <a:spcPts val="1000"/>
+              </a:spcBef>
+              <a:spcAft>
+                <a:spcPts val="0"/>
+              </a:spcAft>
+              <a:buClr>
+                <a:schemeClr val="accent1">
+                  <a:lumMod val="60000"/>
+                  <a:lumOff val="40000"/>
+                </a:schemeClr>
+              </a:buClr>
+              <a:buSzPct val="80000"/>
+              <a:buFont typeface="Wingdings 3" charset="2"/>
+              <a:buChar char=""/>
+              <a:defRPr sz="1400" b="0" i="0" kern="1200">
+                <a:solidFill>
+                  <a:schemeClr val="tx1"/>
+                </a:solidFill>
+                <a:latin typeface="+mj-lt"/>
+                <a:ea typeface="+mj-ea"/>
+                <a:cs typeface="+mj-cs"/>
+              </a:defRPr>
+            </a:lvl6pPr>
+            <a:lvl7pPr marL="2971800" indent="-228600" algn="l" defTabSz="457200" rtl="0" eaLnBrk="1" latinLnBrk="0" hangingPunct="1">
+              <a:spcBef>
+                <a:spcPts val="1000"/>
+              </a:spcBef>
+              <a:spcAft>
+                <a:spcPts val="0"/>
+              </a:spcAft>
+              <a:buClr>
+                <a:schemeClr val="accent1">
+                  <a:lumMod val="60000"/>
+                  <a:lumOff val="40000"/>
+                </a:schemeClr>
+              </a:buClr>
+              <a:buSzPct val="80000"/>
+              <a:buFont typeface="Wingdings 3" charset="2"/>
+              <a:buChar char=""/>
+              <a:defRPr sz="1400" b="0" i="0" kern="1200">
+                <a:solidFill>
+                  <a:schemeClr val="tx1"/>
+                </a:solidFill>
+                <a:latin typeface="+mj-lt"/>
+                <a:ea typeface="+mj-ea"/>
+                <a:cs typeface="+mj-cs"/>
+              </a:defRPr>
+            </a:lvl7pPr>
+            <a:lvl8pPr marL="3429000" indent="-228600" algn="l" defTabSz="457200" rtl="0" eaLnBrk="1" latinLnBrk="0" hangingPunct="1">
+              <a:spcBef>
+                <a:spcPts val="1000"/>
+              </a:spcBef>
+              <a:spcAft>
+                <a:spcPts val="0"/>
+              </a:spcAft>
+              <a:buClr>
+                <a:schemeClr val="accent1">
+                  <a:lumMod val="60000"/>
+                  <a:lumOff val="40000"/>
+                </a:schemeClr>
+              </a:buClr>
+              <a:buSzPct val="80000"/>
+              <a:buFont typeface="Wingdings 3" charset="2"/>
+              <a:buChar char=""/>
+              <a:defRPr sz="1400" b="0" i="0" kern="1200">
+                <a:solidFill>
+                  <a:schemeClr val="tx1"/>
+                </a:solidFill>
+                <a:latin typeface="+mj-lt"/>
+                <a:ea typeface="+mj-ea"/>
+                <a:cs typeface="+mj-cs"/>
+              </a:defRPr>
+            </a:lvl8pPr>
+            <a:lvl9pPr marL="3886200" indent="-228600" algn="l" defTabSz="457200" rtl="0" eaLnBrk="1" latinLnBrk="0" hangingPunct="1">
+              <a:spcBef>
+                <a:spcPts val="1000"/>
+              </a:spcBef>
+              <a:spcAft>
+                <a:spcPts val="0"/>
+              </a:spcAft>
+              <a:buClr>
+                <a:schemeClr val="accent1">
+                  <a:lumMod val="60000"/>
+                  <a:lumOff val="40000"/>
+                </a:schemeClr>
+              </a:buClr>
+              <a:buSzPct val="80000"/>
+              <a:buFont typeface="Wingdings 3" charset="2"/>
+              <a:buChar char=""/>
+              <a:defRPr sz="1400" b="0" i="0" kern="1200">
+                <a:solidFill>
+                  <a:schemeClr val="tx1"/>
+                </a:solidFill>
+                <a:latin typeface="+mj-lt"/>
+                <a:ea typeface="+mj-ea"/>
+                <a:cs typeface="+mj-cs"/>
+              </a:defRPr>
+            </a:lvl9pPr>
+          </a:lstStyle>
+          <a:p>
+            <a:endParaRPr lang="fr-FR" dirty="0" smtClean="0"/>
+          </a:p>
+        </p:txBody>
+      </p:sp>
+    </p:spTree>
+    <p:extLst>
+      <p:ext uri="{BB962C8B-B14F-4D97-AF65-F5344CB8AC3E}">
+        <p14:creationId xmlns:p14="http://schemas.microsoft.com/office/powerpoint/2010/main" val="971790944"/>
+      </p:ext>
+    </p:extLst>
+  </p:cSld>
+  <p:clrMapOvr>
+    <a:masterClrMapping/>
+  </p:clrMapOvr>
+  <p:transition spd="med">
+    <p:pull/>
+  </p:transition>
+  <p:timing>
+    <p:tnLst>
+      <p:par>
+        <p:cTn id="1" dur="indefinite" restart="never" nodeType="tmRoot"/>
+      </p:par>
+    </p:tnLst>
+  </p:timing>
+</p:sld>
+</file>
+
+<file path=ppt/slides/slide5.xml><?xml version="1.0" encoding="utf-8"?>
+<p:sld xmlns:a="http://schemas.openxmlformats.org/drawingml/2006/main" xmlns:r="http://schemas.openxmlformats.org/officeDocument/2006/relationships" xmlns:p="http://schemas.openxmlformats.org/presentationml/2006/main">
+  <p:cSld>
+    <p:spTree>
+      <p:nvGrpSpPr>
+        <p:cNvPr id="1" name=""/>
+        <p:cNvGrpSpPr/>
+        <p:nvPr/>
+      </p:nvGrpSpPr>
+      <p:grpSpPr>
+        <a:xfrm>
+          <a:off x="0" y="0"/>
+          <a:ext cx="0" cy="0"/>
+          <a:chOff x="0" y="0"/>
+          <a:chExt cx="0" cy="0"/>
+        </a:xfrm>
+      </p:grpSpPr>
+      <p:sp>
+        <p:nvSpPr>
+          <p:cNvPr id="2" name="Title 1"/>
+          <p:cNvSpPr>
+            <a:spLocks noGrp="1"/>
+          </p:cNvSpPr>
+          <p:nvPr>
+            <p:ph type="title"/>
+          </p:nvPr>
+        </p:nvSpPr>
+        <p:spPr/>
+        <p:txBody>
+          <a:bodyPr/>
+          <a:lstStyle/>
+          <a:p>
+            <a:pPr algn="ctr"/>
+            <a:r>
+              <a:rPr lang="fr-FR" dirty="0" smtClean="0"/>
+              <a:t>Organisation de projet</a:t>
+            </a:r>
+            <a:endParaRPr lang="fr-FR" dirty="0"/>
+          </a:p>
+        </p:txBody>
+      </p:sp>
+      <p:sp>
+        <p:nvSpPr>
+          <p:cNvPr id="3" name="Content Placeholder 2"/>
+          <p:cNvSpPr>
+            <a:spLocks noGrp="1"/>
+          </p:cNvSpPr>
+          <p:nvPr>
+            <p:ph idx="1"/>
+          </p:nvPr>
+        </p:nvSpPr>
+        <p:spPr/>
+        <p:txBody>
+          <a:bodyPr/>
+          <a:lstStyle/>
+          <a:p>
+            <a:r>
+              <a:rPr lang="fr-FR" dirty="0" smtClean="0"/>
+              <a:t>Le partage des missions</a:t>
+            </a:r>
+          </a:p>
+        </p:txBody>
+      </p:sp>
+    </p:spTree>
+    <p:extLst>
+      <p:ext uri="{BB962C8B-B14F-4D97-AF65-F5344CB8AC3E}">
+        <p14:creationId xmlns:p14="http://schemas.microsoft.com/office/powerpoint/2010/main" val="3879845511"/>
+      </p:ext>
+    </p:extLst>
+  </p:cSld>
+  <p:clrMapOvr>
+    <a:masterClrMapping/>
+  </p:clrMapOvr>
+  <p:transition spd="med">
+    <p:pull/>
+  </p:transition>
+  <p:timing>
+    <p:tnLst>
+      <p:par>
+        <p:cTn id="1" dur="indefinite" restart="never" nodeType="tmRoot"/>
+      </p:par>
+    </p:tnLst>
+  </p:timing>
+</p:sld>
+</file>
+
+<file path=ppt/slides/slide6.xml><?xml version="1.0" encoding="utf-8"?>
+<p:sld xmlns:a="http://schemas.openxmlformats.org/drawingml/2006/main" xmlns:r="http://schemas.openxmlformats.org/officeDocument/2006/relationships" xmlns:p="http://schemas.openxmlformats.org/presentationml/2006/main">
+  <p:cSld>
+    <p:spTree>
+      <p:nvGrpSpPr>
+        <p:cNvPr id="1" name=""/>
+        <p:cNvGrpSpPr/>
+        <p:nvPr/>
+      </p:nvGrpSpPr>
+      <p:grpSpPr>
+        <a:xfrm>
+          <a:off x="0" y="0"/>
+          <a:ext cx="0" cy="0"/>
+          <a:chOff x="0" y="0"/>
+          <a:chExt cx="0" cy="0"/>
+        </a:xfrm>
+      </p:grpSpPr>
+      <p:sp>
+        <p:nvSpPr>
+          <p:cNvPr id="2" name="Title 1"/>
+          <p:cNvSpPr>
+            <a:spLocks noGrp="1"/>
+          </p:cNvSpPr>
+          <p:nvPr>
+            <p:ph type="title"/>
+          </p:nvPr>
+        </p:nvSpPr>
+        <p:spPr/>
+        <p:txBody>
+          <a:bodyPr/>
+          <a:lstStyle/>
+          <a:p>
+            <a:pPr algn="ctr"/>
+            <a:r>
+              <a:rPr lang="fr-FR" dirty="0" smtClean="0"/>
+              <a:t>Organisation de projet</a:t>
+            </a:r>
+            <a:endParaRPr lang="fr-FR" dirty="0"/>
+          </a:p>
+        </p:txBody>
+      </p:sp>
+      <p:sp>
+        <p:nvSpPr>
+          <p:cNvPr id="3" name="Content Placeholder 2"/>
+          <p:cNvSpPr>
+            <a:spLocks noGrp="1"/>
+          </p:cNvSpPr>
+          <p:nvPr>
+            <p:ph idx="1"/>
+          </p:nvPr>
+        </p:nvSpPr>
+        <p:spPr/>
+        <p:txBody>
+          <a:bodyPr/>
+          <a:lstStyle/>
+          <a:p>
+            <a:r>
+              <a:rPr lang="fr-FR" dirty="0"/>
+              <a:t>Outils</a:t>
+            </a:r>
+          </a:p>
+        </p:txBody>
+      </p:sp>
+    </p:spTree>
+    <p:extLst>
+      <p:ext uri="{BB962C8B-B14F-4D97-AF65-F5344CB8AC3E}">
+        <p14:creationId xmlns:p14="http://schemas.microsoft.com/office/powerpoint/2010/main" val="508888011"/>
+      </p:ext>
+    </p:extLst>
+  </p:cSld>
+  <p:clrMapOvr>
+    <a:masterClrMapping/>
+  </p:clrMapOvr>
+  <p:transition spd="med">
+    <p:pull/>
+  </p:transition>
+  <p:timing>
+    <p:tnLst>
+      <p:par>
+        <p:cTn id="1" dur="indefinite" restart="never" nodeType="tmRoot"/>
+      </p:par>
+    </p:tnLst>
+  </p:timing>
+</p:sld>
+</file>
+
+<file path=ppt/slides/slide7.xml><?xml version="1.0" encoding="utf-8"?>
+<p:sld xmlns:a="http://schemas.openxmlformats.org/drawingml/2006/main" xmlns:r="http://schemas.openxmlformats.org/officeDocument/2006/relationships" xmlns:p="http://schemas.openxmlformats.org/presentationml/2006/main">
+  <p:cSld>
+    <p:spTree>
+      <p:nvGrpSpPr>
+        <p:cNvPr id="1" name=""/>
+        <p:cNvGrpSpPr/>
+        <p:nvPr/>
+      </p:nvGrpSpPr>
+      <p:grpSpPr>
+        <a:xfrm>
+          <a:off x="0" y="0"/>
+          <a:ext cx="0" cy="0"/>
+          <a:chOff x="0" y="0"/>
+          <a:chExt cx="0" cy="0"/>
+        </a:xfrm>
+      </p:grpSpPr>
+      <p:sp>
+        <p:nvSpPr>
+          <p:cNvPr id="2" name="Title 1"/>
+          <p:cNvSpPr>
+            <a:spLocks noGrp="1"/>
+          </p:cNvSpPr>
+          <p:nvPr>
+            <p:ph type="title"/>
+          </p:nvPr>
+        </p:nvSpPr>
+        <p:spPr/>
+        <p:txBody>
+          <a:bodyPr/>
+          <a:lstStyle/>
+          <a:p>
             <a:r>
               <a:rPr lang="en-US" dirty="0" smtClean="0"/>
-              <a:t>Briefing</a:t>
+              <a:t>D</a:t>
+            </a:r>
+            <a:r>
+              <a:rPr lang="fr-FR" dirty="0" err="1" smtClean="0"/>
+              <a:t>étails</a:t>
+            </a:r>
+            <a:r>
+              <a:rPr lang="fr-FR" dirty="0" smtClean="0"/>
+              <a:t> techniques</a:t>
             </a:r>
             <a:endParaRPr lang="fr-FR" dirty="0"/>
           </a:p>
@@ -6620,6 +8461,9 @@
   <p:clrMapOvr>
     <a:masterClrMapping/>
   </p:clrMapOvr>
+  <p:transition spd="med">
+    <p:pull/>
+  </p:transition>
   <p:timing>
     <p:tnLst>
       <p:par>
@@ -6630,7 +8474,7 @@
 </p:sld>
 </file>
 
-<file path=ppt/slides/slide3.xml><?xml version="1.0" encoding="utf-8"?>
+<file path=ppt/slides/slide8.xml><?xml version="1.0" encoding="utf-8"?>
 <p:sld xmlns:a="http://schemas.openxmlformats.org/drawingml/2006/main" xmlns:r="http://schemas.openxmlformats.org/officeDocument/2006/relationships" xmlns:p="http://schemas.openxmlformats.org/presentationml/2006/main">
   <p:cSld>
     <p:spTree>
@@ -6787,6 +8631,9 @@
   <p:clrMapOvr>
     <a:masterClrMapping/>
   </p:clrMapOvr>
+  <p:transition spd="med">
+    <p:pull/>
+  </p:transition>
   <p:timing>
     <p:tnLst>
       <p:par>
@@ -6797,7 +8644,7 @@
 </p:sld>
 </file>
 
-<file path=ppt/slides/slide4.xml><?xml version="1.0" encoding="utf-8"?>
+<file path=ppt/slides/slide9.xml><?xml version="1.0" encoding="utf-8"?>
 <p:sld xmlns:a="http://schemas.openxmlformats.org/drawingml/2006/main" xmlns:r="http://schemas.openxmlformats.org/officeDocument/2006/relationships" xmlns:p="http://schemas.openxmlformats.org/presentationml/2006/main">
   <p:cSld>
     <p:spTree>
@@ -7013,571 +8860,9 @@
   <p:clrMapOvr>
     <a:masterClrMapping/>
   </p:clrMapOvr>
-  <p:timing>
-    <p:tnLst>
-      <p:par>
-        <p:cTn id="1" dur="indefinite" restart="never" nodeType="tmRoot"/>
-      </p:par>
-    </p:tnLst>
-  </p:timing>
-</p:sld>
-</file>
-
-<file path=ppt/slides/slide5.xml><?xml version="1.0" encoding="utf-8"?>
-<p:sld xmlns:a="http://schemas.openxmlformats.org/drawingml/2006/main" xmlns:r="http://schemas.openxmlformats.org/officeDocument/2006/relationships" xmlns:p="http://schemas.openxmlformats.org/presentationml/2006/main">
-  <p:cSld>
-    <p:spTree>
-      <p:nvGrpSpPr>
-        <p:cNvPr id="1" name=""/>
-        <p:cNvGrpSpPr/>
-        <p:nvPr/>
-      </p:nvGrpSpPr>
-      <p:grpSpPr>
-        <a:xfrm>
-          <a:off x="0" y="0"/>
-          <a:ext cx="0" cy="0"/>
-          <a:chOff x="0" y="0"/>
-          <a:chExt cx="0" cy="0"/>
-        </a:xfrm>
-      </p:grpSpPr>
-      <p:sp>
-        <p:nvSpPr>
-          <p:cNvPr id="2" name="Title 1"/>
-          <p:cNvSpPr>
-            <a:spLocks noGrp="1"/>
-          </p:cNvSpPr>
-          <p:nvPr>
-            <p:ph type="title"/>
-          </p:nvPr>
-        </p:nvSpPr>
-        <p:spPr/>
-        <p:txBody>
-          <a:bodyPr/>
-          <a:lstStyle/>
-          <a:p>
-            <a:r>
-              <a:rPr lang="fr-FR" dirty="0" smtClean="0"/>
-              <a:t>JavaScript</a:t>
-            </a:r>
-            <a:endParaRPr lang="fr-FR" dirty="0"/>
-          </a:p>
-        </p:txBody>
-      </p:sp>
-      <p:sp>
-        <p:nvSpPr>
-          <p:cNvPr id="3" name="Content Placeholder 2"/>
-          <p:cNvSpPr>
-            <a:spLocks noGrp="1"/>
-          </p:cNvSpPr>
-          <p:nvPr>
-            <p:ph idx="1"/>
-          </p:nvPr>
-        </p:nvSpPr>
-        <p:spPr/>
-        <p:txBody>
-          <a:bodyPr/>
-          <a:lstStyle/>
-          <a:p>
-            <a:r>
-              <a:rPr lang="fr-FR" dirty="0" smtClean="0"/>
-              <a:t>Déclaration de variables:</a:t>
-            </a:r>
-          </a:p>
-        </p:txBody>
-      </p:sp>
-      <p:pic>
-        <p:nvPicPr>
-          <p:cNvPr id="4" name="Picture 3"/>
-          <p:cNvPicPr>
-            <a:picLocks noChangeAspect="1"/>
-          </p:cNvPicPr>
-          <p:nvPr/>
-        </p:nvPicPr>
-        <p:blipFill>
-          <a:blip r:embed="rId2">
-            <a:extLst>
-              <a:ext uri="{28A0092B-C50C-407E-A947-70E740481C1C}">
-                <a14:useLocalDpi xmlns:a14="http://schemas.microsoft.com/office/drawing/2010/main" val="0"/>
-              </a:ext>
-            </a:extLst>
-          </a:blip>
-          <a:stretch>
-            <a:fillRect/>
-          </a:stretch>
-        </p:blipFill>
-        <p:spPr>
-          <a:xfrm>
-            <a:off x="5454316" y="2284406"/>
-            <a:ext cx="6311898" cy="4127981"/>
-          </a:xfrm>
-          <a:prstGeom prst="rect">
-            <a:avLst/>
-          </a:prstGeom>
-        </p:spPr>
-      </p:pic>
-    </p:spTree>
-    <p:extLst>
-      <p:ext uri="{BB962C8B-B14F-4D97-AF65-F5344CB8AC3E}">
-        <p14:creationId xmlns:p14="http://schemas.microsoft.com/office/powerpoint/2010/main" val="2156560789"/>
-      </p:ext>
-    </p:extLst>
-  </p:cSld>
-  <p:clrMapOvr>
-    <a:masterClrMapping/>
-  </p:clrMapOvr>
-  <p:timing>
-    <p:tnLst>
-      <p:par>
-        <p:cTn id="1" dur="indefinite" restart="never" nodeType="tmRoot"/>
-      </p:par>
-    </p:tnLst>
-  </p:timing>
-</p:sld>
-</file>
-
-<file path=ppt/slides/slide6.xml><?xml version="1.0" encoding="utf-8"?>
-<p:sld xmlns:a="http://schemas.openxmlformats.org/drawingml/2006/main" xmlns:r="http://schemas.openxmlformats.org/officeDocument/2006/relationships" xmlns:p="http://schemas.openxmlformats.org/presentationml/2006/main">
-  <p:cSld>
-    <p:spTree>
-      <p:nvGrpSpPr>
-        <p:cNvPr id="1" name=""/>
-        <p:cNvGrpSpPr/>
-        <p:nvPr/>
-      </p:nvGrpSpPr>
-      <p:grpSpPr>
-        <a:xfrm>
-          <a:off x="0" y="0"/>
-          <a:ext cx="0" cy="0"/>
-          <a:chOff x="0" y="0"/>
-          <a:chExt cx="0" cy="0"/>
-        </a:xfrm>
-      </p:grpSpPr>
-      <p:sp>
-        <p:nvSpPr>
-          <p:cNvPr id="2" name="Title 1"/>
-          <p:cNvSpPr>
-            <a:spLocks noGrp="1"/>
-          </p:cNvSpPr>
-          <p:nvPr>
-            <p:ph type="title"/>
-          </p:nvPr>
-        </p:nvSpPr>
-        <p:spPr/>
-        <p:txBody>
-          <a:bodyPr/>
-          <a:lstStyle/>
-          <a:p>
-            <a:r>
-              <a:rPr lang="fr-FR" dirty="0" smtClean="0"/>
-              <a:t>JavaScript</a:t>
-            </a:r>
-            <a:endParaRPr lang="fr-FR" dirty="0"/>
-          </a:p>
-        </p:txBody>
-      </p:sp>
-      <p:sp>
-        <p:nvSpPr>
-          <p:cNvPr id="3" name="Content Placeholder 2"/>
-          <p:cNvSpPr>
-            <a:spLocks noGrp="1"/>
-          </p:cNvSpPr>
-          <p:nvPr>
-            <p:ph idx="1"/>
-          </p:nvPr>
-        </p:nvSpPr>
-        <p:spPr/>
-        <p:txBody>
-          <a:bodyPr/>
-          <a:lstStyle/>
-          <a:p>
-            <a:r>
-              <a:rPr lang="fr-FR" dirty="0" smtClean="0"/>
-              <a:t>Les boucles </a:t>
-            </a:r>
-          </a:p>
-        </p:txBody>
-      </p:sp>
-      <p:pic>
-        <p:nvPicPr>
-          <p:cNvPr id="5" name="Picture 4"/>
-          <p:cNvPicPr>
-            <a:picLocks noChangeAspect="1"/>
-          </p:cNvPicPr>
-          <p:nvPr/>
-        </p:nvPicPr>
-        <p:blipFill>
-          <a:blip r:embed="rId2">
-            <a:extLst>
-              <a:ext uri="{28A0092B-C50C-407E-A947-70E740481C1C}">
-                <a14:useLocalDpi xmlns:a14="http://schemas.microsoft.com/office/drawing/2010/main" val="0"/>
-              </a:ext>
-            </a:extLst>
-          </a:blip>
-          <a:stretch>
-            <a:fillRect/>
-          </a:stretch>
-        </p:blipFill>
-        <p:spPr>
-          <a:xfrm>
-            <a:off x="2119956" y="3142658"/>
-            <a:ext cx="8573969" cy="3105741"/>
-          </a:xfrm>
-          <a:prstGeom prst="rect">
-            <a:avLst/>
-          </a:prstGeom>
-        </p:spPr>
-      </p:pic>
-    </p:spTree>
-    <p:extLst>
-      <p:ext uri="{BB962C8B-B14F-4D97-AF65-F5344CB8AC3E}">
-        <p14:creationId xmlns:p14="http://schemas.microsoft.com/office/powerpoint/2010/main" val="367144090"/>
-      </p:ext>
-    </p:extLst>
-  </p:cSld>
-  <p:clrMapOvr>
-    <a:masterClrMapping/>
-  </p:clrMapOvr>
-  <p:timing>
-    <p:tnLst>
-      <p:par>
-        <p:cTn id="1" dur="indefinite" restart="never" nodeType="tmRoot"/>
-      </p:par>
-    </p:tnLst>
-  </p:timing>
-</p:sld>
-</file>
-
-<file path=ppt/slides/slide7.xml><?xml version="1.0" encoding="utf-8"?>
-<p:sld xmlns:a="http://schemas.openxmlformats.org/drawingml/2006/main" xmlns:r="http://schemas.openxmlformats.org/officeDocument/2006/relationships" xmlns:p="http://schemas.openxmlformats.org/presentationml/2006/main">
-  <p:cSld>
-    <p:spTree>
-      <p:nvGrpSpPr>
-        <p:cNvPr id="1" name=""/>
-        <p:cNvGrpSpPr/>
-        <p:nvPr/>
-      </p:nvGrpSpPr>
-      <p:grpSpPr>
-        <a:xfrm>
-          <a:off x="0" y="0"/>
-          <a:ext cx="0" cy="0"/>
-          <a:chOff x="0" y="0"/>
-          <a:chExt cx="0" cy="0"/>
-        </a:xfrm>
-      </p:grpSpPr>
-      <p:sp>
-        <p:nvSpPr>
-          <p:cNvPr id="2" name="Title 1"/>
-          <p:cNvSpPr>
-            <a:spLocks noGrp="1"/>
-          </p:cNvSpPr>
-          <p:nvPr>
-            <p:ph type="title"/>
-          </p:nvPr>
-        </p:nvSpPr>
-        <p:spPr/>
-        <p:txBody>
-          <a:bodyPr/>
-          <a:lstStyle/>
-          <a:p>
-            <a:r>
-              <a:rPr lang="fr-FR" dirty="0" smtClean="0"/>
-              <a:t>JavaScript</a:t>
-            </a:r>
-            <a:endParaRPr lang="fr-FR" dirty="0"/>
-          </a:p>
-        </p:txBody>
-      </p:sp>
-      <p:sp>
-        <p:nvSpPr>
-          <p:cNvPr id="3" name="Content Placeholder 2"/>
-          <p:cNvSpPr>
-            <a:spLocks noGrp="1"/>
-          </p:cNvSpPr>
-          <p:nvPr>
-            <p:ph idx="1"/>
-          </p:nvPr>
-        </p:nvSpPr>
-        <p:spPr/>
-        <p:txBody>
-          <a:bodyPr/>
-          <a:lstStyle/>
-          <a:p>
-            <a:r>
-              <a:rPr lang="fr-FR" dirty="0" smtClean="0"/>
-              <a:t>Les conditions</a:t>
-            </a:r>
-          </a:p>
-        </p:txBody>
-      </p:sp>
-      <p:pic>
-        <p:nvPicPr>
-          <p:cNvPr id="5" name="Picture 4"/>
-          <p:cNvPicPr>
-            <a:picLocks noChangeAspect="1"/>
-          </p:cNvPicPr>
-          <p:nvPr/>
-        </p:nvPicPr>
-        <p:blipFill>
-          <a:blip r:embed="rId2">
-            <a:extLst>
-              <a:ext uri="{28A0092B-C50C-407E-A947-70E740481C1C}">
-                <a14:useLocalDpi xmlns:a14="http://schemas.microsoft.com/office/drawing/2010/main" val="0"/>
-              </a:ext>
-            </a:extLst>
-          </a:blip>
-          <a:stretch>
-            <a:fillRect/>
-          </a:stretch>
-        </p:blipFill>
-        <p:spPr>
-          <a:xfrm>
-            <a:off x="1411704" y="2953035"/>
-            <a:ext cx="9395688" cy="3279322"/>
-          </a:xfrm>
-          <a:prstGeom prst="rect">
-            <a:avLst/>
-          </a:prstGeom>
-        </p:spPr>
-      </p:pic>
-    </p:spTree>
-    <p:extLst>
-      <p:ext uri="{BB962C8B-B14F-4D97-AF65-F5344CB8AC3E}">
-        <p14:creationId xmlns:p14="http://schemas.microsoft.com/office/powerpoint/2010/main" val="2293293552"/>
-      </p:ext>
-    </p:extLst>
-  </p:cSld>
-  <p:clrMapOvr>
-    <a:masterClrMapping/>
-  </p:clrMapOvr>
-  <p:timing>
-    <p:tnLst>
-      <p:par>
-        <p:cTn id="1" dur="indefinite" restart="never" nodeType="tmRoot"/>
-      </p:par>
-    </p:tnLst>
-  </p:timing>
-</p:sld>
-</file>
-
-<file path=ppt/slides/slide8.xml><?xml version="1.0" encoding="utf-8"?>
-<p:sld xmlns:a="http://schemas.openxmlformats.org/drawingml/2006/main" xmlns:r="http://schemas.openxmlformats.org/officeDocument/2006/relationships" xmlns:p="http://schemas.openxmlformats.org/presentationml/2006/main">
-  <p:cSld>
-    <p:spTree>
-      <p:nvGrpSpPr>
-        <p:cNvPr id="1" name=""/>
-        <p:cNvGrpSpPr/>
-        <p:nvPr/>
-      </p:nvGrpSpPr>
-      <p:grpSpPr>
-        <a:xfrm>
-          <a:off x="0" y="0"/>
-          <a:ext cx="0" cy="0"/>
-          <a:chOff x="0" y="0"/>
-          <a:chExt cx="0" cy="0"/>
-        </a:xfrm>
-      </p:grpSpPr>
-      <p:sp>
-        <p:nvSpPr>
-          <p:cNvPr id="2" name="Title 1"/>
-          <p:cNvSpPr>
-            <a:spLocks noGrp="1"/>
-          </p:cNvSpPr>
-          <p:nvPr>
-            <p:ph type="title"/>
-          </p:nvPr>
-        </p:nvSpPr>
-        <p:spPr/>
-        <p:txBody>
-          <a:bodyPr/>
-          <a:lstStyle/>
-          <a:p>
-            <a:r>
-              <a:rPr lang="fr-FR" dirty="0" smtClean="0"/>
-              <a:t>JavaScript</a:t>
-            </a:r>
-            <a:endParaRPr lang="fr-FR" dirty="0"/>
-          </a:p>
-        </p:txBody>
-      </p:sp>
-      <p:sp>
-        <p:nvSpPr>
-          <p:cNvPr id="3" name="Content Placeholder 2"/>
-          <p:cNvSpPr>
-            <a:spLocks noGrp="1"/>
-          </p:cNvSpPr>
-          <p:nvPr>
-            <p:ph idx="1"/>
-          </p:nvPr>
-        </p:nvSpPr>
-        <p:spPr/>
-        <p:txBody>
-          <a:bodyPr/>
-          <a:lstStyle/>
-          <a:p>
-            <a:r>
-              <a:rPr lang="fr-FR" dirty="0" smtClean="0"/>
-              <a:t>Les selects  et options</a:t>
-            </a:r>
-          </a:p>
-        </p:txBody>
-      </p:sp>
-      <p:pic>
-        <p:nvPicPr>
-          <p:cNvPr id="4" name="Picture 3"/>
-          <p:cNvPicPr>
-            <a:picLocks noChangeAspect="1"/>
-          </p:cNvPicPr>
-          <p:nvPr/>
-        </p:nvPicPr>
-        <p:blipFill>
-          <a:blip r:embed="rId2">
-            <a:extLst>
-              <a:ext uri="{28A0092B-C50C-407E-A947-70E740481C1C}">
-                <a14:useLocalDpi xmlns:a14="http://schemas.microsoft.com/office/drawing/2010/main" val="0"/>
-              </a:ext>
-            </a:extLst>
-          </a:blip>
-          <a:stretch>
-            <a:fillRect/>
-          </a:stretch>
-        </p:blipFill>
-        <p:spPr>
-          <a:xfrm>
-            <a:off x="1867828" y="3672048"/>
-            <a:ext cx="8599120" cy="1445384"/>
-          </a:xfrm>
-          <a:prstGeom prst="rect">
-            <a:avLst/>
-          </a:prstGeom>
-        </p:spPr>
-      </p:pic>
-    </p:spTree>
-    <p:extLst>
-      <p:ext uri="{BB962C8B-B14F-4D97-AF65-F5344CB8AC3E}">
-        <p14:creationId xmlns:p14="http://schemas.microsoft.com/office/powerpoint/2010/main" val="4083442148"/>
-      </p:ext>
-    </p:extLst>
-  </p:cSld>
-  <p:clrMapOvr>
-    <a:masterClrMapping/>
-  </p:clrMapOvr>
-  <p:timing>
-    <p:tnLst>
-      <p:par>
-        <p:cTn id="1" dur="indefinite" restart="never" nodeType="tmRoot"/>
-      </p:par>
-    </p:tnLst>
-  </p:timing>
-</p:sld>
-</file>
-
-<file path=ppt/slides/slide9.xml><?xml version="1.0" encoding="utf-8"?>
-<p:sld xmlns:a="http://schemas.openxmlformats.org/drawingml/2006/main" xmlns:r="http://schemas.openxmlformats.org/officeDocument/2006/relationships" xmlns:p="http://schemas.openxmlformats.org/presentationml/2006/main">
-  <p:cSld>
-    <p:spTree>
-      <p:nvGrpSpPr>
-        <p:cNvPr id="1" name=""/>
-        <p:cNvGrpSpPr/>
-        <p:nvPr/>
-      </p:nvGrpSpPr>
-      <p:grpSpPr>
-        <a:xfrm>
-          <a:off x="0" y="0"/>
-          <a:ext cx="0" cy="0"/>
-          <a:chOff x="0" y="0"/>
-          <a:chExt cx="0" cy="0"/>
-        </a:xfrm>
-      </p:grpSpPr>
-      <p:sp>
-        <p:nvSpPr>
-          <p:cNvPr id="2" name="Title 1"/>
-          <p:cNvSpPr>
-            <a:spLocks noGrp="1"/>
-          </p:cNvSpPr>
-          <p:nvPr>
-            <p:ph type="title"/>
-          </p:nvPr>
-        </p:nvSpPr>
-        <p:spPr/>
-        <p:txBody>
-          <a:bodyPr/>
-          <a:lstStyle/>
-          <a:p>
-            <a:r>
-              <a:rPr lang="fr-FR" dirty="0" smtClean="0"/>
-              <a:t>JavaScript</a:t>
-            </a:r>
-            <a:endParaRPr lang="fr-FR" dirty="0"/>
-          </a:p>
-        </p:txBody>
-      </p:sp>
-      <p:sp>
-        <p:nvSpPr>
-          <p:cNvPr id="3" name="Content Placeholder 2"/>
-          <p:cNvSpPr>
-            <a:spLocks noGrp="1"/>
-          </p:cNvSpPr>
-          <p:nvPr>
-            <p:ph idx="1"/>
-          </p:nvPr>
-        </p:nvSpPr>
-        <p:spPr>
-          <a:xfrm>
-            <a:off x="1104293" y="2061795"/>
-            <a:ext cx="8946541" cy="4195481"/>
-          </a:xfrm>
-        </p:spPr>
-        <p:txBody>
-          <a:bodyPr/>
-          <a:lstStyle/>
-          <a:p>
-            <a:r>
-              <a:rPr lang="fr-FR" dirty="0" smtClean="0"/>
-              <a:t>Les fonctions: </a:t>
-            </a:r>
-          </a:p>
-        </p:txBody>
-      </p:sp>
-      <p:pic>
-        <p:nvPicPr>
-          <p:cNvPr id="4" name="Picture 3"/>
-          <p:cNvPicPr>
-            <a:picLocks noChangeAspect="1"/>
-          </p:cNvPicPr>
-          <p:nvPr/>
-        </p:nvPicPr>
-        <p:blipFill>
-          <a:blip r:embed="rId2">
-            <a:extLst>
-              <a:ext uri="{28A0092B-C50C-407E-A947-70E740481C1C}">
-                <a14:useLocalDpi xmlns:a14="http://schemas.microsoft.com/office/drawing/2010/main" val="0"/>
-              </a:ext>
-            </a:extLst>
-          </a:blip>
-          <a:stretch>
-            <a:fillRect/>
-          </a:stretch>
-        </p:blipFill>
-        <p:spPr>
-          <a:xfrm>
-            <a:off x="1347535" y="3525016"/>
-            <a:ext cx="9591087" cy="1725731"/>
-          </a:xfrm>
-          <a:prstGeom prst="rect">
-            <a:avLst/>
-          </a:prstGeom>
-        </p:spPr>
-      </p:pic>
-    </p:spTree>
-    <p:extLst>
-      <p:ext uri="{BB962C8B-B14F-4D97-AF65-F5344CB8AC3E}">
-        <p14:creationId xmlns:p14="http://schemas.microsoft.com/office/powerpoint/2010/main" val="515889488"/>
-      </p:ext>
-    </p:extLst>
-  </p:cSld>
-  <p:clrMapOvr>
-    <a:masterClrMapping/>
-  </p:clrMapOvr>
+  <p:transition spd="med">
+    <p:pull/>
+  </p:transition>
   <p:timing>
     <p:tnLst>
       <p:par>
